--- a/presentation/Elasticsearch-meetup-2019-03.pptx
+++ b/presentation/Elasticsearch-meetup-2019-03.pptx
@@ -5,10 +5,10 @@
     <p:sldMasterId id="2147483648" r:id="rId1"/>
   </p:sldMasterIdLst>
   <p:notesMasterIdLst>
-    <p:notesMasterId r:id="rId11"/>
+    <p:notesMasterId r:id="rId12"/>
   </p:notesMasterIdLst>
   <p:handoutMasterIdLst>
-    <p:handoutMasterId r:id="rId12"/>
+    <p:handoutMasterId r:id="rId13"/>
   </p:handoutMasterIdLst>
   <p:sldIdLst>
     <p:sldId id="334" r:id="rId2"/>
@@ -20,6 +20,7 @@
     <p:sldId id="342" r:id="rId8"/>
     <p:sldId id="343" r:id="rId9"/>
     <p:sldId id="345" r:id="rId10"/>
+    <p:sldId id="346" r:id="rId11"/>
   </p:sldIdLst>
   <p:sldSz cx="12192000" cy="6858000"/>
   <p:notesSz cx="6858000" cy="9144000"/>
@@ -1114,6 +1115,67 @@
               <a:rPr lang="en-US" smtClean="0"/>
               <a:t>H2 database</a:t>
             </a:r>
+            <a:endParaRPr lang="en-US" dirty="0"/>
+          </a:p>
+        </p:txBody>
+      </p:sp>
+    </p:spTree>
+    <p:extLst>
+      <p:ext uri="{BB962C8B-B14F-4D97-AF65-F5344CB8AC3E}">
+        <p14:creationId xmlns:p14="http://schemas.microsoft.com/office/powerpoint/2010/main" val="3628581786"/>
+      </p:ext>
+    </p:extLst>
+  </p:cSld>
+  <p:clrMapOvr>
+    <a:masterClrMapping/>
+  </p:clrMapOvr>
+</p:notes>
+</file>
+
+<file path=ppt/notesSlides/notesSlide4.xml><?xml version="1.0" encoding="utf-8"?>
+<p:notes xmlns:a="http://schemas.openxmlformats.org/drawingml/2006/main" xmlns:r="http://schemas.openxmlformats.org/officeDocument/2006/relationships" xmlns:p="http://schemas.openxmlformats.org/presentationml/2006/main">
+  <p:cSld>
+    <p:spTree>
+      <p:nvGrpSpPr>
+        <p:cNvPr id="1" name=""/>
+        <p:cNvGrpSpPr/>
+        <p:nvPr/>
+      </p:nvGrpSpPr>
+      <p:grpSpPr>
+        <a:xfrm>
+          <a:off x="0" y="0"/>
+          <a:ext cx="0" cy="0"/>
+          <a:chOff x="0" y="0"/>
+          <a:chExt cx="0" cy="0"/>
+        </a:xfrm>
+      </p:grpSpPr>
+      <p:sp>
+        <p:nvSpPr>
+          <p:cNvPr id="2" name="Tijdelijke aanduiding voor dia-afbeelding 1"/>
+          <p:cNvSpPr>
+            <a:spLocks noGrp="1" noRot="1" noChangeAspect="1"/>
+          </p:cNvSpPr>
+          <p:nvPr>
+            <p:ph type="sldImg"/>
+          </p:nvPr>
+        </p:nvSpPr>
+        <p:spPr/>
+      </p:sp>
+      <p:sp>
+        <p:nvSpPr>
+          <p:cNvPr id="3" name="Tijdelijke aanduiding voor notities 2"/>
+          <p:cNvSpPr>
+            <a:spLocks noGrp="1"/>
+          </p:cNvSpPr>
+          <p:nvPr>
+            <p:ph type="body" idx="1"/>
+          </p:nvPr>
+        </p:nvSpPr>
+        <p:spPr/>
+        <p:txBody>
+          <a:bodyPr/>
+          <a:lstStyle/>
+          <a:p>
             <a:endParaRPr lang="en-US" dirty="0"/>
           </a:p>
         </p:txBody>
@@ -3793,6 +3855,290 @@
 </p:sld>
 </file>
 
+<file path=ppt/slides/slide10.xml><?xml version="1.0" encoding="utf-8"?>
+<p:sld xmlns:a="http://schemas.openxmlformats.org/drawingml/2006/main" xmlns:r="http://schemas.openxmlformats.org/officeDocument/2006/relationships" xmlns:p="http://schemas.openxmlformats.org/presentationml/2006/main">
+  <p:cSld>
+    <p:spTree>
+      <p:nvGrpSpPr>
+        <p:cNvPr id="1" name=""/>
+        <p:cNvGrpSpPr/>
+        <p:nvPr/>
+      </p:nvGrpSpPr>
+      <p:grpSpPr>
+        <a:xfrm>
+          <a:off x="0" y="0"/>
+          <a:ext cx="0" cy="0"/>
+          <a:chOff x="0" y="0"/>
+          <a:chExt cx="0" cy="0"/>
+        </a:xfrm>
+      </p:grpSpPr>
+      <p:sp>
+        <p:nvSpPr>
+          <p:cNvPr id="2" name="Titel 1"/>
+          <p:cNvSpPr>
+            <a:spLocks noGrp="1"/>
+          </p:cNvSpPr>
+          <p:nvPr>
+            <p:ph type="title"/>
+          </p:nvPr>
+        </p:nvSpPr>
+        <p:spPr/>
+        <p:txBody>
+          <a:bodyPr/>
+          <a:lstStyle/>
+          <a:p>
+            <a:r>
+              <a:rPr lang="en-US" dirty="0" smtClean="0"/>
+              <a:t>Example system, the making </a:t>
+            </a:r>
+            <a:r>
+              <a:rPr lang="en-US" dirty="0" smtClean="0"/>
+              <a:t>continued</a:t>
+            </a:r>
+            <a:r>
+              <a:rPr lang="en-US" dirty="0" smtClean="0"/>
+              <a:t>.</a:t>
+            </a:r>
+            <a:r>
+              <a:rPr lang="en-US" dirty="0" smtClean="0"/>
+              <a:t>.</a:t>
+            </a:r>
+            <a:endParaRPr lang="en-US" dirty="0"/>
+          </a:p>
+        </p:txBody>
+      </p:sp>
+      <p:sp>
+        <p:nvSpPr>
+          <p:cNvPr id="4" name="Tijdelijke aanduiding voor inhoud 3"/>
+          <p:cNvSpPr>
+            <a:spLocks noGrp="1"/>
+          </p:cNvSpPr>
+          <p:nvPr>
+            <p:ph sz="quarter" idx="11"/>
+          </p:nvPr>
+        </p:nvSpPr>
+        <p:spPr/>
+        <p:txBody>
+          <a:bodyPr/>
+          <a:lstStyle/>
+          <a:p>
+            <a:r>
+              <a:rPr lang="en-US" dirty="0" err="1" smtClean="0"/>
+              <a:t>Elasticsearch</a:t>
+            </a:r>
+            <a:r>
+              <a:rPr lang="en-US" dirty="0" smtClean="0"/>
+              <a:t> </a:t>
+            </a:r>
+            <a:r>
+              <a:rPr lang="en-US" dirty="0" err="1" smtClean="0"/>
+              <a:t>Meetup</a:t>
+            </a:r>
+            <a:endParaRPr lang="en-US" dirty="0"/>
+          </a:p>
+        </p:txBody>
+      </p:sp>
+      <p:sp>
+        <p:nvSpPr>
+          <p:cNvPr id="5" name="Tijdelijke aanduiding voor tekst 4"/>
+          <p:cNvSpPr>
+            <a:spLocks noGrp="1"/>
+          </p:cNvSpPr>
+          <p:nvPr>
+            <p:ph type="body" sz="quarter" idx="12"/>
+          </p:nvPr>
+        </p:nvSpPr>
+        <p:spPr>
+          <a:xfrm>
+            <a:off x="3936000" y="1881248"/>
+            <a:ext cx="8136664" cy="3780000"/>
+          </a:xfrm>
+        </p:spPr>
+        <p:txBody>
+          <a:bodyPr/>
+          <a:lstStyle/>
+          <a:p>
+            <a:pPr marL="342900" indent="-342900">
+              <a:buFont typeface="Arial"/>
+              <a:buChar char="•"/>
+            </a:pPr>
+            <a:r>
+              <a:rPr lang="en-US" sz="2000" dirty="0" smtClean="0"/>
+              <a:t>Import </a:t>
+            </a:r>
+            <a:r>
+              <a:rPr lang="en-US" sz="2000" dirty="0" err="1" smtClean="0"/>
+              <a:t>csv</a:t>
+            </a:r>
+            <a:r>
+              <a:rPr lang="en-US" sz="2000" dirty="0" smtClean="0"/>
+              <a:t> data in </a:t>
+            </a:r>
+            <a:r>
+              <a:rPr lang="en-US" sz="2000" dirty="0" err="1" smtClean="0"/>
+              <a:t>Elasticsearch</a:t>
+            </a:r>
+            <a:r>
+              <a:rPr lang="en-US" sz="2000" dirty="0" smtClean="0"/>
+              <a:t> with model mapping</a:t>
+            </a:r>
+          </a:p>
+          <a:p>
+            <a:pPr marL="342900" indent="-342900">
+              <a:buFont typeface="Arial"/>
+              <a:buChar char="•"/>
+            </a:pPr>
+            <a:r>
+              <a:rPr lang="en-US" sz="2000" dirty="0" err="1" smtClean="0"/>
+              <a:t>Analyse</a:t>
+            </a:r>
+            <a:r>
+              <a:rPr lang="en-US" sz="2000" dirty="0" smtClean="0"/>
+              <a:t> what we have by default</a:t>
+            </a:r>
+          </a:p>
+          <a:p>
+            <a:pPr marL="342900" indent="-342900">
+              <a:buFont typeface="Arial"/>
+              <a:buChar char="•"/>
+            </a:pPr>
+            <a:r>
+              <a:rPr lang="en-US" sz="2000" dirty="0" smtClean="0"/>
+              <a:t>while True:</a:t>
+            </a:r>
+          </a:p>
+          <a:p>
+            <a:pPr marL="1085850" lvl="1" indent="-342900">
+              <a:buFont typeface="Arial"/>
+              <a:buChar char="•"/>
+            </a:pPr>
+            <a:r>
+              <a:rPr lang="en-US" sz="2300" dirty="0" smtClean="0"/>
+              <a:t>Improve mappings and settings and </a:t>
+            </a:r>
+            <a:r>
+              <a:rPr lang="en-US" sz="2300" dirty="0" err="1" smtClean="0"/>
+              <a:t>reindex</a:t>
+            </a:r>
+            <a:endParaRPr lang="en-US" sz="2300" dirty="0" smtClean="0"/>
+          </a:p>
+          <a:p>
+            <a:pPr marL="1085850" lvl="1" indent="-342900">
+              <a:buFont typeface="Arial"/>
+              <a:buChar char="•"/>
+            </a:pPr>
+            <a:r>
+              <a:rPr lang="en-US" sz="2300" dirty="0" smtClean="0"/>
+              <a:t>Search and aggregate</a:t>
+            </a:r>
+            <a:endParaRPr lang="en-US" sz="2300" dirty="0"/>
+          </a:p>
+          <a:p>
+            <a:pPr marL="342900" indent="-342900">
+              <a:buFont typeface="Arial"/>
+              <a:buChar char="•"/>
+            </a:pPr>
+            <a:r>
+              <a:rPr lang="en-US" sz="2000" dirty="0" smtClean="0"/>
+              <a:t>No downtime during </a:t>
+            </a:r>
+            <a:r>
+              <a:rPr lang="en-US" sz="2000" dirty="0" err="1" smtClean="0"/>
+              <a:t>reindex</a:t>
+            </a:r>
+            <a:r>
+              <a:rPr lang="en-US" sz="2000" dirty="0" smtClean="0"/>
+              <a:t>: </a:t>
+            </a:r>
+          </a:p>
+          <a:p>
+            <a:pPr marL="1085850" lvl="1" indent="-342900">
+              <a:buFont typeface="Arial"/>
+              <a:buChar char="•"/>
+            </a:pPr>
+            <a:r>
+              <a:rPr lang="en-US" sz="2300" dirty="0" smtClean="0"/>
+              <a:t>aliases</a:t>
+            </a:r>
+          </a:p>
+          <a:p>
+            <a:pPr marL="1085850" lvl="1" indent="-342900">
+              <a:buFont typeface="Arial"/>
+              <a:buChar char="•"/>
+            </a:pPr>
+            <a:r>
+              <a:rPr lang="en-US" sz="2300" dirty="0" smtClean="0"/>
+              <a:t>scale up and down</a:t>
+            </a:r>
+          </a:p>
+          <a:p>
+            <a:pPr marL="1085850" lvl="1" indent="-342900">
+              <a:buFont typeface="Arial"/>
+              <a:buChar char="•"/>
+            </a:pPr>
+            <a:r>
+              <a:rPr lang="en-US" sz="2300" dirty="0" smtClean="0"/>
+              <a:t>shards, replicas</a:t>
+            </a:r>
+          </a:p>
+          <a:p>
+            <a:pPr marL="342900" indent="-342900">
+              <a:buFont typeface="Arial"/>
+              <a:buChar char="•"/>
+            </a:pPr>
+            <a:r>
+              <a:rPr lang="en-US" sz="2000" dirty="0" smtClean="0"/>
+              <a:t>Templates</a:t>
+            </a:r>
+            <a:endParaRPr lang="en-US" sz="2000" dirty="0" smtClean="0"/>
+          </a:p>
+        </p:txBody>
+      </p:sp>
+      <p:pic>
+        <p:nvPicPr>
+          <p:cNvPr id="10" name="Tijdelijke aanduiding voor afbeelding 8" descr="filmstrip.jpg"/>
+          <p:cNvPicPr>
+            <a:picLocks noGrp="1" noChangeAspect="1"/>
+          </p:cNvPicPr>
+          <p:nvPr>
+            <p:ph type="pic" idx="10"/>
+          </p:nvPr>
+        </p:nvPicPr>
+        <p:blipFill>
+          <a:blip r:embed="rId3" cstate="print">
+            <a:extLst>
+              <a:ext uri="{28A0092B-C50C-407E-A947-70E740481C1C}">
+                <a14:useLocalDpi xmlns:a14="http://schemas.microsoft.com/office/drawing/2010/main"/>
+              </a:ext>
+            </a:extLst>
+          </a:blip>
+          <a:srcRect/>
+          <a:stretch>
+            <a:fillRect/>
+          </a:stretch>
+        </p:blipFill>
+        <p:spPr/>
+      </p:pic>
+    </p:spTree>
+    <p:extLst>
+      <p:ext uri="{BB962C8B-B14F-4D97-AF65-F5344CB8AC3E}">
+        <p14:creationId xmlns:p14="http://schemas.microsoft.com/office/powerpoint/2010/main" val="2082814849"/>
+      </p:ext>
+    </p:extLst>
+  </p:cSld>
+  <p:clrMapOvr>
+    <a:masterClrMapping/>
+  </p:clrMapOvr>
+  <p:timing>
+    <p:tnLst>
+      <p:par>
+        <p:cTn xmlns:p14="http://schemas.microsoft.com/office/powerpoint/2010/main" id="1" dur="indefinite" restart="never" nodeType="tmRoot"/>
+      </p:par>
+    </p:tnLst>
+  </p:timing>
+</p:sld>
+</file>
+
 <file path=ppt/slides/slide2.xml><?xml version="1.0" encoding="utf-8"?>
 <p:sld xmlns:a="http://schemas.openxmlformats.org/drawingml/2006/main" xmlns:r="http://schemas.openxmlformats.org/officeDocument/2006/relationships" xmlns:p="http://schemas.openxmlformats.org/presentationml/2006/main">
   <p:cSld>
@@ -5947,13 +6293,31 @@
             </a:pPr>
             <a:r>
               <a:rPr lang="en-US" sz="2000" dirty="0" smtClean="0"/>
+              <a:t>Must have</a:t>
+            </a:r>
+          </a:p>
+          <a:p>
+            <a:pPr marL="1085850" lvl="1" indent="-342900">
+              <a:buFont typeface="Arial"/>
+              <a:buChar char="•"/>
+            </a:pPr>
+            <a:r>
+              <a:rPr lang="en-US" sz="2300" dirty="0" smtClean="0"/>
               <a:t>Local </a:t>
             </a:r>
             <a:r>
-              <a:rPr lang="en-US" sz="2000" dirty="0" err="1" smtClean="0"/>
+              <a:rPr lang="en-US" sz="2300" dirty="0" err="1" smtClean="0"/>
               <a:t>Elasticsearch</a:t>
             </a:r>
-            <a:endParaRPr lang="en-US" sz="2000" dirty="0" smtClean="0"/>
+            <a:r>
+              <a:rPr lang="en-US" sz="2300" dirty="0" smtClean="0"/>
+              <a:t> and </a:t>
+            </a:r>
+            <a:r>
+              <a:rPr lang="en-US" sz="2300" dirty="0" err="1" smtClean="0"/>
+              <a:t>Kibana</a:t>
+            </a:r>
+            <a:endParaRPr lang="en-US" sz="2300" dirty="0" smtClean="0"/>
           </a:p>
           <a:p>
             <a:pPr marL="342900" indent="-342900">
@@ -5962,8 +6326,88 @@
             </a:pPr>
             <a:r>
               <a:rPr lang="en-US" sz="2000" dirty="0" smtClean="0"/>
-              <a:t>H2 database</a:t>
-            </a:r>
+              <a:t>Should have, </a:t>
+            </a:r>
+            <a:r>
+              <a:rPr lang="en-US" sz="2000" dirty="0"/>
+              <a:t>you need some tooling like an </a:t>
+            </a:r>
+            <a:r>
+              <a:rPr lang="en-US" sz="2000" dirty="0" smtClean="0"/>
+              <a:t>IDE</a:t>
+            </a:r>
+          </a:p>
+          <a:p>
+            <a:pPr marL="1085850" lvl="1" indent="-342900">
+              <a:buFont typeface="Arial"/>
+              <a:buChar char="•"/>
+            </a:pPr>
+            <a:r>
+              <a:rPr lang="en-US" sz="2300" dirty="0" smtClean="0"/>
+              <a:t>Python instead of Java for the fun of it</a:t>
+            </a:r>
+            <a:endParaRPr lang="en-US" sz="2300" dirty="0"/>
+          </a:p>
+          <a:p>
+            <a:pPr marL="1085850" lvl="1" indent="-342900">
+              <a:buFont typeface="Arial"/>
+              <a:buChar char="•"/>
+            </a:pPr>
+            <a:r>
+              <a:rPr lang="en-US" sz="2300" dirty="0" err="1"/>
+              <a:t>PyCharm</a:t>
+            </a:r>
+            <a:r>
+              <a:rPr lang="en-US" sz="2300" dirty="0"/>
+              <a:t> community </a:t>
+            </a:r>
+            <a:r>
+              <a:rPr lang="en-US" sz="2300" dirty="0" smtClean="0"/>
+              <a:t>edition</a:t>
+            </a:r>
+          </a:p>
+          <a:p>
+            <a:pPr marL="1485900" lvl="2" indent="-342900">
+              <a:buFont typeface="Arial"/>
+              <a:buChar char="•"/>
+            </a:pPr>
+            <a:r>
+              <a:rPr lang="en-US" sz="2000" dirty="0" smtClean="0"/>
+              <a:t>pandas, </a:t>
+            </a:r>
+            <a:r>
+              <a:rPr lang="en-US" sz="2000" dirty="0" err="1" smtClean="0"/>
+              <a:t>csv</a:t>
+            </a:r>
+            <a:r>
+              <a:rPr lang="en-US" sz="2000" dirty="0" smtClean="0"/>
+              <a:t>, </a:t>
+            </a:r>
+            <a:r>
+              <a:rPr lang="en-US" sz="2000" dirty="0" err="1" smtClean="0"/>
+              <a:t>jaydebeapi</a:t>
+            </a:r>
+            <a:r>
+              <a:rPr lang="en-US" sz="2000" dirty="0" smtClean="0"/>
+              <a:t>, </a:t>
+            </a:r>
+            <a:r>
+              <a:rPr lang="en-US" sz="2000" dirty="0" err="1" smtClean="0"/>
+              <a:t>elasticsearch</a:t>
+            </a:r>
+            <a:r>
+              <a:rPr lang="en-US" sz="2000" dirty="0" smtClean="0"/>
+              <a:t>, </a:t>
+            </a:r>
+            <a:r>
+              <a:rPr lang="mr-IN" sz="2000" dirty="0" smtClean="0"/>
+              <a:t>…</a:t>
+            </a:r>
+            <a:r>
+              <a:rPr lang="en-US" sz="2000" dirty="0" smtClean="0"/>
+              <a:t> (packages)</a:t>
+            </a:r>
+            <a:endParaRPr lang="en-US" sz="2000" dirty="0" smtClean="0"/>
           </a:p>
           <a:p>
             <a:pPr marL="342900" indent="-342900">
@@ -5971,12 +6415,48 @@
               <a:buChar char="•"/>
             </a:pPr>
             <a:r>
-              <a:rPr lang="en-US" sz="2000" dirty="0" err="1" smtClean="0"/>
+              <a:rPr lang="en-US" sz="2000" dirty="0" smtClean="0"/>
+              <a:t>Optional</a:t>
+            </a:r>
+          </a:p>
+          <a:p>
+            <a:pPr marL="1085850" lvl="1" indent="-342900">
+              <a:buFont typeface="Arial"/>
+              <a:buChar char="•"/>
+            </a:pPr>
+            <a:r>
+              <a:rPr lang="en-US" sz="2300" dirty="0" smtClean="0"/>
+              <a:t>(H2) </a:t>
+            </a:r>
+            <a:r>
+              <a:rPr lang="en-US" sz="2300" dirty="0" smtClean="0"/>
+              <a:t>database</a:t>
+            </a:r>
+          </a:p>
+          <a:p>
+            <a:pPr marL="1085850" lvl="1" indent="-342900">
+              <a:buFont typeface="Arial"/>
+              <a:buChar char="•"/>
+            </a:pPr>
+            <a:r>
+              <a:rPr lang="en-US" sz="2300" dirty="0" smtClean="0"/>
+              <a:t>(</a:t>
+            </a:r>
+            <a:r>
+              <a:rPr lang="en-US" sz="2300" dirty="0" err="1" smtClean="0"/>
               <a:t>DBeaver</a:t>
             </a:r>
             <a:r>
-              <a:rPr lang="en-US" sz="2000" dirty="0" smtClean="0"/>
-              <a:t> as database client</a:t>
+              <a:rPr lang="en-US" sz="2300" dirty="0" smtClean="0"/>
+              <a:t> as) </a:t>
+            </a:r>
+            <a:r>
+              <a:rPr lang="en-US" sz="2300" dirty="0" smtClean="0"/>
+              <a:t>database </a:t>
+            </a:r>
+            <a:r>
+              <a:rPr lang="en-US" sz="2300" dirty="0" smtClean="0"/>
+              <a:t>client</a:t>
             </a:r>
           </a:p>
           <a:p>
@@ -5984,28 +6464,7 @@
               <a:buFont typeface="Arial"/>
               <a:buChar char="•"/>
             </a:pPr>
-            <a:r>
-              <a:rPr lang="en-US" sz="2000" dirty="0" err="1" smtClean="0"/>
-              <a:t>Intellij</a:t>
-            </a:r>
-            <a:r>
-              <a:rPr lang="en-US" sz="2000" dirty="0" smtClean="0"/>
-              <a:t> community edition</a:t>
-            </a:r>
-          </a:p>
-          <a:p>
-            <a:pPr marL="342900" indent="-342900">
-              <a:buFont typeface="Arial"/>
-              <a:buChar char="•"/>
-            </a:pPr>
-            <a:r>
-              <a:rPr lang="en-US" sz="2000" dirty="0" err="1" smtClean="0"/>
-              <a:t>PyCharm</a:t>
-            </a:r>
-            <a:r>
-              <a:rPr lang="en-US" sz="2000" dirty="0" smtClean="0"/>
-              <a:t> community edition</a:t>
-            </a:r>
+            <a:endParaRPr lang="en-US" sz="2000" dirty="0" smtClean="0"/>
           </a:p>
           <a:p>
             <a:pPr marL="342900" indent="-342900">
@@ -6178,31 +6637,15 @@
             </a:pPr>
             <a:r>
               <a:rPr lang="en-US" sz="2000" dirty="0" smtClean="0"/>
-              <a:t>Download and install </a:t>
+              <a:t>Install </a:t>
             </a:r>
             <a:r>
               <a:rPr lang="en-US" sz="2000" dirty="0" err="1" smtClean="0"/>
-              <a:t>DBeaver</a:t>
-            </a:r>
-            <a:r>
-              <a:rPr lang="en-US" sz="2000" dirty="0"/>
-              <a:t> (</a:t>
-            </a:r>
-            <a:r>
-              <a:rPr lang="en-US" sz="2000" dirty="0">
-                <a:hlinkClick r:id="rId3"/>
-              </a:rPr>
-              <a:t>https://dbeaver.io/download</a:t>
-            </a:r>
-            <a:r>
-              <a:rPr lang="en-US" sz="2000" dirty="0" smtClean="0">
-                <a:hlinkClick r:id="rId3"/>
-              </a:rPr>
-              <a:t>/</a:t>
+              <a:t>PyCharm</a:t>
             </a:r>
             <a:r>
               <a:rPr lang="en-US" sz="2000" dirty="0" smtClean="0"/>
-              <a:t>) (done)</a:t>
+              <a:t> (done)</a:t>
             </a:r>
           </a:p>
           <a:p>
@@ -6216,11 +6659,11 @@
             </a:r>
             <a:r>
               <a:rPr lang="en-US" sz="2000" dirty="0" err="1" smtClean="0"/>
-              <a:t>DBeaver</a:t>
+              <a:t>PyCharm</a:t>
             </a:r>
             <a:r>
               <a:rPr lang="en-US" sz="2000" dirty="0" smtClean="0"/>
-              <a:t> and create H2 database</a:t>
+              <a:t> and ETL data to H2 database</a:t>
             </a:r>
           </a:p>
           <a:p>
@@ -6229,16 +6672,26 @@
               <a:buChar char="•"/>
             </a:pPr>
             <a:r>
-              <a:rPr lang="en-US" sz="2000" dirty="0" smtClean="0"/>
-              <a:t>Install </a:t>
-            </a:r>
-            <a:r>
-              <a:rPr lang="en-US" sz="2000" dirty="0" err="1" smtClean="0"/>
-              <a:t>PyCharm</a:t>
-            </a:r>
-            <a:r>
-              <a:rPr lang="en-US" sz="2000" dirty="0" smtClean="0"/>
-              <a:t> (done)</a:t>
+              <a:rPr lang="en-US" sz="2000" dirty="0"/>
+              <a:t>Download and install </a:t>
+            </a:r>
+            <a:r>
+              <a:rPr lang="en-US" sz="2000" dirty="0" err="1"/>
+              <a:t>DBeaver</a:t>
+            </a:r>
+            <a:r>
+              <a:rPr lang="en-US" sz="2000" dirty="0"/>
+              <a:t> (</a:t>
+            </a:r>
+            <a:r>
+              <a:rPr lang="en-US" sz="2000" dirty="0">
+                <a:hlinkClick r:id="rId3"/>
+              </a:rPr>
+              <a:t>https://dbeaver.io/download/</a:t>
+            </a:r>
+            <a:r>
+              <a:rPr lang="en-US" sz="2000" dirty="0"/>
+              <a:t>) (done)</a:t>
             </a:r>
           </a:p>
           <a:p>
@@ -6247,16 +6700,64 @@
               <a:buChar char="•"/>
             </a:pPr>
             <a:r>
+              <a:rPr lang="en-US" sz="2000" dirty="0"/>
+              <a:t>Start </a:t>
+            </a:r>
+            <a:r>
+              <a:rPr lang="en-US" sz="2000" dirty="0" err="1"/>
+              <a:t>DBeaver</a:t>
+            </a:r>
+            <a:r>
+              <a:rPr lang="en-US" sz="2000" dirty="0"/>
+              <a:t> and </a:t>
+            </a:r>
+            <a:r>
               <a:rPr lang="en-US" sz="2000" dirty="0" smtClean="0"/>
-              <a:t>Start </a:t>
+              <a:t>check </a:t>
+            </a:r>
+            <a:r>
+              <a:rPr lang="en-US" sz="2000" dirty="0"/>
+              <a:t>H2 </a:t>
+            </a:r>
+            <a:r>
+              <a:rPr lang="en-US" sz="2000" dirty="0" smtClean="0"/>
+              <a:t>database</a:t>
+            </a:r>
+          </a:p>
+          <a:p>
+            <a:pPr marL="342900" indent="-342900">
+              <a:buFont typeface="Arial"/>
+              <a:buChar char="•"/>
+            </a:pPr>
+            <a:r>
+              <a:rPr lang="en-US" sz="2000" dirty="0" smtClean="0"/>
+              <a:t>Download and install and run </a:t>
             </a:r>
             <a:r>
               <a:rPr lang="en-US" sz="2000" dirty="0" err="1" smtClean="0"/>
-              <a:t>PyCharm</a:t>
+              <a:t>Elasticsearch</a:t>
             </a:r>
             <a:r>
               <a:rPr lang="en-US" sz="2000" dirty="0" smtClean="0"/>
-              <a:t> and ETL data to H2 database</a:t>
+              <a:t> (done)</a:t>
+            </a:r>
+          </a:p>
+          <a:p>
+            <a:pPr marL="342900" indent="-342900">
+              <a:buFont typeface="Arial"/>
+              <a:buChar char="•"/>
+            </a:pPr>
+            <a:r>
+              <a:rPr lang="en-US" sz="2000" dirty="0" smtClean="0"/>
+              <a:t>Download and install and run </a:t>
+            </a:r>
+            <a:r>
+              <a:rPr lang="en-US" sz="2000" dirty="0" err="1" smtClean="0"/>
+              <a:t>Kibana</a:t>
+            </a:r>
+            <a:r>
+              <a:rPr lang="en-US" sz="2000" dirty="0" smtClean="0"/>
+              <a:t> (done)</a:t>
             </a:r>
           </a:p>
           <a:p>

--- a/presentation/Elasticsearch-meetup-2019-03.pptx
+++ b/presentation/Elasticsearch-meetup-2019-03.pptx
@@ -5,10 +5,10 @@
     <p:sldMasterId id="2147483648" r:id="rId1"/>
   </p:sldMasterIdLst>
   <p:notesMasterIdLst>
-    <p:notesMasterId r:id="rId12"/>
+    <p:notesMasterId r:id="rId13"/>
   </p:notesMasterIdLst>
   <p:handoutMasterIdLst>
-    <p:handoutMasterId r:id="rId13"/>
+    <p:handoutMasterId r:id="rId14"/>
   </p:handoutMasterIdLst>
   <p:sldIdLst>
     <p:sldId id="334" r:id="rId2"/>
@@ -21,6 +21,7 @@
     <p:sldId id="343" r:id="rId9"/>
     <p:sldId id="345" r:id="rId10"/>
     <p:sldId id="346" r:id="rId11"/>
+    <p:sldId id="347" r:id="rId12"/>
   </p:sldIdLst>
   <p:sldSz cx="12192000" cy="6858000"/>
   <p:notesSz cx="6858000" cy="9144000"/>
@@ -151,7 +152,7 @@
   </p:defaultTextStyle>
   <p:extLst>
     <p:ext uri="{EFAFB233-063F-42B5-8137-9DF3F51BA10A}">
-      <p15:sldGuideLst xmlns="" xmlns:p15="http://schemas.microsoft.com/office/powerpoint/2012/main">
+      <p15:sldGuideLst xmlns:p15="http://schemas.microsoft.com/office/powerpoint/2012/main" xmlns="">
         <p15:guide id="1" orient="horz" pos="2160" userDrawn="1">
           <p15:clr>
             <a:srgbClr val="A4A3A4"/>
@@ -165,7 +166,7 @@
       </p15:sldGuideLst>
     </p:ext>
     <p:ext uri="{2D200454-40CA-4A62-9FC3-DE9A4176ACB9}">
-      <p15:notesGuideLst xmlns="" xmlns:p15="http://schemas.microsoft.com/office/powerpoint/2012/main"/>
+      <p15:notesGuideLst xmlns:p15="http://schemas.microsoft.com/office/powerpoint/2012/main" xmlns=""/>
     </p:ext>
   </p:extLst>
 </p:presentation>
@@ -280,7 +281,7 @@
               <a:pPr>
                 <a:defRPr/>
               </a:pPr>
-              <a:t>17-03-19</a:t>
+              <a:t>13-04-19</a:t>
             </a:fld>
             <a:endParaRPr lang="nl-NL"/>
           </a:p>
@@ -500,7 +501,7 @@
               <a:pPr>
                 <a:defRPr/>
               </a:pPr>
-              <a:t>17-03-19</a:t>
+              <a:t>13-04-19</a:t>
             </a:fld>
             <a:endParaRPr lang="nl-NL"/>
           </a:p>
@@ -1175,6 +1176,174 @@
         <p:txBody>
           <a:bodyPr/>
           <a:lstStyle/>
+          <a:p>
+            <a:r>
+              <a:rPr lang="en-US" dirty="0" smtClean="0"/>
+              <a:t>example</a:t>
+            </a:r>
+            <a:r>
+              <a:rPr lang="en-US" baseline="0" dirty="0" smtClean="0"/>
+              <a:t> movie Office Space, https://</a:t>
+            </a:r>
+            <a:r>
+              <a:rPr lang="en-US" baseline="0" dirty="0" err="1" smtClean="0"/>
+              <a:t>www.youtube.com</a:t>
+            </a:r>
+            <a:r>
+              <a:rPr lang="en-US" baseline="0" dirty="0" smtClean="0"/>
+              <a:t>/</a:t>
+            </a:r>
+            <a:r>
+              <a:rPr lang="en-US" baseline="0" dirty="0" err="1" smtClean="0"/>
+              <a:t>watch?v</a:t>
+            </a:r>
+            <a:r>
+              <a:rPr lang="en-US" baseline="0" dirty="0" smtClean="0"/>
+              <a:t>=cUOuUX_F_5I</a:t>
+            </a:r>
+          </a:p>
+          <a:p>
+            <a:r>
+              <a:rPr lang="en-US" baseline="0" dirty="0" err="1" smtClean="0"/>
+              <a:t>jennifer</a:t>
+            </a:r>
+            <a:r>
+              <a:rPr lang="en-US" baseline="0" dirty="0" smtClean="0"/>
+              <a:t> </a:t>
+            </a:r>
+            <a:r>
+              <a:rPr lang="en-US" baseline="0" smtClean="0"/>
+              <a:t>aniston</a:t>
+            </a:r>
+          </a:p>
+          <a:p>
+            <a:endParaRPr lang="en-US" dirty="0"/>
+          </a:p>
+        </p:txBody>
+      </p:sp>
+    </p:spTree>
+    <p:extLst>
+      <p:ext uri="{BB962C8B-B14F-4D97-AF65-F5344CB8AC3E}">
+        <p14:creationId xmlns:p14="http://schemas.microsoft.com/office/powerpoint/2010/main" val="3628581786"/>
+      </p:ext>
+    </p:extLst>
+  </p:cSld>
+  <p:clrMapOvr>
+    <a:masterClrMapping/>
+  </p:clrMapOvr>
+</p:notes>
+</file>
+
+<file path=ppt/notesSlides/notesSlide5.xml><?xml version="1.0" encoding="utf-8"?>
+<p:notes xmlns:a="http://schemas.openxmlformats.org/drawingml/2006/main" xmlns:r="http://schemas.openxmlformats.org/officeDocument/2006/relationships" xmlns:p="http://schemas.openxmlformats.org/presentationml/2006/main">
+  <p:cSld>
+    <p:spTree>
+      <p:nvGrpSpPr>
+        <p:cNvPr id="1" name=""/>
+        <p:cNvGrpSpPr/>
+        <p:nvPr/>
+      </p:nvGrpSpPr>
+      <p:grpSpPr>
+        <a:xfrm>
+          <a:off x="0" y="0"/>
+          <a:ext cx="0" cy="0"/>
+          <a:chOff x="0" y="0"/>
+          <a:chExt cx="0" cy="0"/>
+        </a:xfrm>
+      </p:grpSpPr>
+      <p:sp>
+        <p:nvSpPr>
+          <p:cNvPr id="2" name="Tijdelijke aanduiding voor dia-afbeelding 1"/>
+          <p:cNvSpPr>
+            <a:spLocks noGrp="1" noRot="1" noChangeAspect="1"/>
+          </p:cNvSpPr>
+          <p:nvPr>
+            <p:ph type="sldImg"/>
+          </p:nvPr>
+        </p:nvSpPr>
+        <p:spPr/>
+      </p:sp>
+      <p:sp>
+        <p:nvSpPr>
+          <p:cNvPr id="3" name="Tijdelijke aanduiding voor notities 2"/>
+          <p:cNvSpPr>
+            <a:spLocks noGrp="1"/>
+          </p:cNvSpPr>
+          <p:nvPr>
+            <p:ph type="body" idx="1"/>
+          </p:nvPr>
+        </p:nvSpPr>
+        <p:spPr/>
+        <p:txBody>
+          <a:bodyPr/>
+          <a:lstStyle/>
+          <a:p>
+            <a:r>
+              <a:rPr lang="en-US" dirty="0" err="1" smtClean="0"/>
+              <a:t>mkdir</a:t>
+            </a:r>
+            <a:r>
+              <a:rPr lang="en-US" dirty="0" smtClean="0"/>
+              <a:t> elasticsearch-7.0.0b</a:t>
+            </a:r>
+          </a:p>
+          <a:p>
+            <a:r>
+              <a:rPr lang="en-US" dirty="0" smtClean="0"/>
+              <a:t>tar </a:t>
+            </a:r>
+            <a:r>
+              <a:rPr lang="en-US" dirty="0" err="1" smtClean="0"/>
+              <a:t>xvf</a:t>
+            </a:r>
+            <a:r>
+              <a:rPr lang="en-US" dirty="0" smtClean="0"/>
+              <a:t> elasticsearch-7.0.0-darwin-x86_64.tar.gz -C elasticsearch-7.0.0b/ --strip-components=1</a:t>
+            </a:r>
+          </a:p>
+          <a:p>
+            <a:r>
+              <a:rPr lang="en-US" dirty="0" smtClean="0"/>
+              <a:t>cd elasticsearch-7.0.0b</a:t>
+            </a:r>
+          </a:p>
+          <a:p>
+            <a:r>
+              <a:rPr lang="en-US" dirty="0" smtClean="0"/>
+              <a:t>bin/</a:t>
+            </a:r>
+            <a:r>
+              <a:rPr lang="en-US" dirty="0" err="1" smtClean="0"/>
+              <a:t>elasticsearch</a:t>
+            </a:r>
+            <a:endParaRPr lang="en-US" dirty="0" smtClean="0"/>
+          </a:p>
+          <a:p>
+            <a:endParaRPr lang="en-US" dirty="0" smtClean="0"/>
+          </a:p>
+          <a:p>
+            <a:r>
+              <a:rPr lang="en-US" dirty="0" smtClean="0"/>
+              <a:t>set replica to 1</a:t>
+            </a:r>
+          </a:p>
+          <a:p>
+            <a:endParaRPr lang="en-US" dirty="0" smtClean="0"/>
+          </a:p>
+          <a:p>
+            <a:r>
+              <a:rPr lang="en-US" dirty="0" smtClean="0"/>
+              <a:t>stop 1 node, service</a:t>
+            </a:r>
+            <a:r>
+              <a:rPr lang="en-US" baseline="0" dirty="0" smtClean="0"/>
+              <a:t> still available (depending on client connecting to </a:t>
+            </a:r>
+            <a:r>
+              <a:rPr lang="en-US" baseline="0" smtClean="0"/>
+              <a:t>the available node!)</a:t>
+            </a:r>
+          </a:p>
           <a:p>
             <a:endParaRPr lang="en-US" dirty="0"/>
           </a:p>
@@ -3889,19 +4058,7 @@
           <a:p>
             <a:r>
               <a:rPr lang="en-US" dirty="0" smtClean="0"/>
-              <a:t>Example system, the making </a:t>
-            </a:r>
-            <a:r>
-              <a:rPr lang="en-US" dirty="0" smtClean="0"/>
-              <a:t>continued</a:t>
-            </a:r>
-            <a:r>
-              <a:rPr lang="en-US" dirty="0" smtClean="0"/>
-              <a:t>.</a:t>
-            </a:r>
-            <a:r>
-              <a:rPr lang="en-US" dirty="0" smtClean="0"/>
-              <a:t>.</a:t>
+              <a:t>Example system, the making continued..</a:t>
             </a:r>
             <a:endParaRPr lang="en-US" dirty="0"/>
           </a:p>
@@ -4023,6 +4180,33 @@
             <a:endParaRPr lang="en-US" sz="2300" dirty="0" smtClean="0"/>
           </a:p>
           <a:p>
+            <a:pPr marL="1485900" lvl="2" indent="-342900">
+              <a:buFont typeface="Arial"/>
+              <a:buChar char="•"/>
+            </a:pPr>
+            <a:r>
+              <a:rPr lang="en-US" sz="2300" dirty="0" smtClean="0"/>
+              <a:t>types, analyzers</a:t>
+            </a:r>
+            <a:r>
+              <a:rPr lang="en-US" sz="2300" dirty="0" smtClean="0"/>
+              <a:t>, (</a:t>
+            </a:r>
+            <a:r>
+              <a:rPr lang="en-US" sz="2300" dirty="0" err="1" smtClean="0"/>
+              <a:t>ngram</a:t>
+            </a:r>
+            <a:r>
+              <a:rPr lang="en-US" sz="2300" dirty="0" smtClean="0"/>
+              <a:t>) </a:t>
+            </a:r>
+            <a:r>
+              <a:rPr lang="en-US" sz="2300" dirty="0" err="1" smtClean="0"/>
+              <a:t>tokenizers</a:t>
+            </a:r>
+            <a:endParaRPr lang="en-US" sz="2300" dirty="0" smtClean="0"/>
+          </a:p>
+          <a:p>
             <a:pPr marL="1085850" lvl="1" indent="-342900">
               <a:buFont typeface="Arial"/>
               <a:buChar char="•"/>
@@ -4060,37 +4244,6 @@
               <a:rPr lang="en-US" sz="2300" dirty="0" smtClean="0"/>
               <a:t>aliases</a:t>
             </a:r>
-          </a:p>
-          <a:p>
-            <a:pPr marL="1085850" lvl="1" indent="-342900">
-              <a:buFont typeface="Arial"/>
-              <a:buChar char="•"/>
-            </a:pPr>
-            <a:r>
-              <a:rPr lang="en-US" sz="2300" dirty="0" smtClean="0"/>
-              <a:t>scale up and down</a:t>
-            </a:r>
-          </a:p>
-          <a:p>
-            <a:pPr marL="1085850" lvl="1" indent="-342900">
-              <a:buFont typeface="Arial"/>
-              <a:buChar char="•"/>
-            </a:pPr>
-            <a:r>
-              <a:rPr lang="en-US" sz="2300" dirty="0" smtClean="0"/>
-              <a:t>shards, replicas</a:t>
-            </a:r>
-          </a:p>
-          <a:p>
-            <a:pPr marL="342900" indent="-342900">
-              <a:buFont typeface="Arial"/>
-              <a:buChar char="•"/>
-            </a:pPr>
-            <a:r>
-              <a:rPr lang="en-US" sz="2000" dirty="0" smtClean="0"/>
-              <a:t>Templates</a:t>
-            </a:r>
-            <a:endParaRPr lang="en-US" sz="2000" dirty="0" smtClean="0"/>
           </a:p>
         </p:txBody>
       </p:sp>
@@ -4123,6 +4276,226 @@
     <p:extLst>
       <p:ext uri="{BB962C8B-B14F-4D97-AF65-F5344CB8AC3E}">
         <p14:creationId xmlns:p14="http://schemas.microsoft.com/office/powerpoint/2010/main" val="2082814849"/>
+      </p:ext>
+    </p:extLst>
+  </p:cSld>
+  <p:clrMapOvr>
+    <a:masterClrMapping/>
+  </p:clrMapOvr>
+  <p:timing>
+    <p:tnLst>
+      <p:par>
+        <p:cTn xmlns:p14="http://schemas.microsoft.com/office/powerpoint/2010/main" id="1" dur="indefinite" restart="never" nodeType="tmRoot"/>
+      </p:par>
+    </p:tnLst>
+  </p:timing>
+</p:sld>
+</file>
+
+<file path=ppt/slides/slide11.xml><?xml version="1.0" encoding="utf-8"?>
+<p:sld xmlns:a="http://schemas.openxmlformats.org/drawingml/2006/main" xmlns:r="http://schemas.openxmlformats.org/officeDocument/2006/relationships" xmlns:p="http://schemas.openxmlformats.org/presentationml/2006/main">
+  <p:cSld>
+    <p:spTree>
+      <p:nvGrpSpPr>
+        <p:cNvPr id="1" name=""/>
+        <p:cNvGrpSpPr/>
+        <p:nvPr/>
+      </p:nvGrpSpPr>
+      <p:grpSpPr>
+        <a:xfrm>
+          <a:off x="0" y="0"/>
+          <a:ext cx="0" cy="0"/>
+          <a:chOff x="0" y="0"/>
+          <a:chExt cx="0" cy="0"/>
+        </a:xfrm>
+      </p:grpSpPr>
+      <p:sp>
+        <p:nvSpPr>
+          <p:cNvPr id="2" name="Titel 1"/>
+          <p:cNvSpPr>
+            <a:spLocks noGrp="1"/>
+          </p:cNvSpPr>
+          <p:nvPr>
+            <p:ph type="title"/>
+          </p:nvPr>
+        </p:nvSpPr>
+        <p:spPr/>
+        <p:txBody>
+          <a:bodyPr/>
+          <a:lstStyle/>
+          <a:p>
+            <a:r>
+              <a:rPr lang="en-US" dirty="0" smtClean="0"/>
+              <a:t>Example system, the making continued..</a:t>
+            </a:r>
+            <a:endParaRPr lang="en-US" dirty="0"/>
+          </a:p>
+        </p:txBody>
+      </p:sp>
+      <p:sp>
+        <p:nvSpPr>
+          <p:cNvPr id="4" name="Tijdelijke aanduiding voor inhoud 3"/>
+          <p:cNvSpPr>
+            <a:spLocks noGrp="1"/>
+          </p:cNvSpPr>
+          <p:nvPr>
+            <p:ph sz="quarter" idx="11"/>
+          </p:nvPr>
+        </p:nvSpPr>
+        <p:spPr/>
+        <p:txBody>
+          <a:bodyPr/>
+          <a:lstStyle/>
+          <a:p>
+            <a:r>
+              <a:rPr lang="en-US" dirty="0" err="1" smtClean="0"/>
+              <a:t>Elasticsearch</a:t>
+            </a:r>
+            <a:r>
+              <a:rPr lang="en-US" dirty="0" smtClean="0"/>
+              <a:t> </a:t>
+            </a:r>
+            <a:r>
+              <a:rPr lang="en-US" dirty="0" err="1" smtClean="0"/>
+              <a:t>Meetup</a:t>
+            </a:r>
+            <a:endParaRPr lang="en-US" dirty="0"/>
+          </a:p>
+        </p:txBody>
+      </p:sp>
+      <p:sp>
+        <p:nvSpPr>
+          <p:cNvPr id="5" name="Tijdelijke aanduiding voor tekst 4"/>
+          <p:cNvSpPr>
+            <a:spLocks noGrp="1"/>
+          </p:cNvSpPr>
+          <p:nvPr>
+            <p:ph type="body" sz="quarter" idx="12"/>
+          </p:nvPr>
+        </p:nvSpPr>
+        <p:spPr>
+          <a:xfrm>
+            <a:off x="3936000" y="1881248"/>
+            <a:ext cx="8136664" cy="3780000"/>
+          </a:xfrm>
+        </p:spPr>
+        <p:txBody>
+          <a:bodyPr/>
+          <a:lstStyle/>
+          <a:p>
+            <a:pPr marL="342900" indent="-342900">
+              <a:buFont typeface="Arial"/>
+              <a:buChar char="•"/>
+            </a:pPr>
+            <a:r>
+              <a:rPr lang="en-US" sz="2000" dirty="0" smtClean="0"/>
+              <a:t>High Availability</a:t>
+            </a:r>
+            <a:endParaRPr lang="en-US" sz="2000" dirty="0" smtClean="0"/>
+          </a:p>
+          <a:p>
+            <a:pPr marL="1085850" lvl="1" indent="-342900">
+              <a:buFont typeface="Arial"/>
+              <a:buChar char="•"/>
+            </a:pPr>
+            <a:r>
+              <a:rPr lang="en-US" sz="2300" dirty="0" smtClean="0"/>
+              <a:t>scale up and down</a:t>
+            </a:r>
+          </a:p>
+          <a:p>
+            <a:pPr marL="1085850" lvl="1" indent="-342900">
+              <a:buFont typeface="Arial"/>
+              <a:buChar char="•"/>
+            </a:pPr>
+            <a:r>
+              <a:rPr lang="en-US" sz="2300" dirty="0" smtClean="0"/>
+              <a:t>shards, replicas</a:t>
+            </a:r>
+          </a:p>
+          <a:p>
+            <a:pPr marL="342900" indent="-342900">
+              <a:buFont typeface="Arial"/>
+              <a:buChar char="•"/>
+            </a:pPr>
+            <a:r>
+              <a:rPr lang="en-US" sz="2000" dirty="0" smtClean="0"/>
+              <a:t>Time series</a:t>
+            </a:r>
+          </a:p>
+          <a:p>
+            <a:pPr marL="1085850" lvl="1" indent="-342900">
+              <a:buFont typeface="Arial"/>
+              <a:buChar char="•"/>
+            </a:pPr>
+            <a:r>
+              <a:rPr lang="en-US" sz="2300" dirty="0" smtClean="0"/>
+              <a:t>Multi index syntax</a:t>
+            </a:r>
+          </a:p>
+          <a:p>
+            <a:pPr marL="1085850" lvl="1" indent="-342900">
+              <a:buFont typeface="Arial"/>
+              <a:buChar char="•"/>
+            </a:pPr>
+            <a:r>
+              <a:rPr lang="en-US" sz="2300" dirty="0" smtClean="0"/>
+              <a:t>Date math</a:t>
+            </a:r>
+            <a:endParaRPr lang="en-US" sz="2300" dirty="0" smtClean="0"/>
+          </a:p>
+          <a:p>
+            <a:pPr marL="1085850" lvl="1" indent="-342900">
+              <a:buFont typeface="Arial"/>
+              <a:buChar char="•"/>
+            </a:pPr>
+            <a:r>
+              <a:rPr lang="en-US" sz="2300" dirty="0" smtClean="0"/>
+              <a:t>Templates</a:t>
+            </a:r>
+          </a:p>
+          <a:p>
+            <a:pPr marL="1085850" lvl="1" indent="-342900">
+              <a:buFont typeface="Arial"/>
+              <a:buChar char="•"/>
+            </a:pPr>
+            <a:r>
+              <a:rPr lang="en-US" sz="2300" dirty="0" smtClean="0"/>
+              <a:t>Calculate period per index</a:t>
+            </a:r>
+            <a:endParaRPr lang="en-US" sz="2300" dirty="0" smtClean="0"/>
+          </a:p>
+        </p:txBody>
+      </p:sp>
+      <p:pic>
+        <p:nvPicPr>
+          <p:cNvPr id="10" name="Tijdelijke aanduiding voor afbeelding 8" descr="filmstrip.jpg"/>
+          <p:cNvPicPr>
+            <a:picLocks noGrp="1" noChangeAspect="1"/>
+          </p:cNvPicPr>
+          <p:nvPr>
+            <p:ph type="pic" idx="10"/>
+          </p:nvPr>
+        </p:nvPicPr>
+        <p:blipFill>
+          <a:blip r:embed="rId3" cstate="print">
+            <a:extLst>
+              <a:ext uri="{28A0092B-C50C-407E-A947-70E740481C1C}">
+                <a14:useLocalDpi xmlns:a14="http://schemas.microsoft.com/office/drawing/2010/main"/>
+              </a:ext>
+            </a:extLst>
+          </a:blip>
+          <a:srcRect/>
+          <a:stretch>
+            <a:fillRect/>
+          </a:stretch>
+        </p:blipFill>
+        <p:spPr/>
+      </p:pic>
+    </p:spTree>
+    <p:extLst>
+      <p:ext uri="{BB962C8B-B14F-4D97-AF65-F5344CB8AC3E}">
+        <p14:creationId xmlns:p14="http://schemas.microsoft.com/office/powerpoint/2010/main" val="1128842092"/>
       </p:ext>
     </p:extLst>
   </p:cSld>
@@ -6407,7 +6780,6 @@
               <a:rPr lang="en-US" sz="2000" dirty="0" smtClean="0"/>
               <a:t> (packages)</a:t>
             </a:r>
-            <a:endParaRPr lang="en-US" sz="2000" dirty="0" smtClean="0"/>
           </a:p>
           <a:p>
             <a:pPr marL="342900" indent="-342900">
@@ -6426,11 +6798,7 @@
             </a:pPr>
             <a:r>
               <a:rPr lang="en-US" sz="2300" dirty="0" smtClean="0"/>
-              <a:t>(H2) </a:t>
-            </a:r>
-            <a:r>
-              <a:rPr lang="en-US" sz="2300" dirty="0" smtClean="0"/>
-              <a:t>database</a:t>
+              <a:t>(H2) database</a:t>
             </a:r>
           </a:p>
           <a:p>
@@ -6448,15 +6816,7 @@
             </a:r>
             <a:r>
               <a:rPr lang="en-US" sz="2300" dirty="0" smtClean="0"/>
-              <a:t> as) </a:t>
-            </a:r>
-            <a:r>
-              <a:rPr lang="en-US" sz="2300" dirty="0" smtClean="0"/>
-              <a:t>database </a:t>
-            </a:r>
-            <a:r>
-              <a:rPr lang="en-US" sz="2300" dirty="0" smtClean="0"/>
-              <a:t>client</a:t>
+              <a:t> as) database client</a:t>
             </a:r>
           </a:p>
           <a:p>

--- a/presentation/Elasticsearch-meetup-2019-03.pptx
+++ b/presentation/Elasticsearch-meetup-2019-03.pptx
@@ -1337,11 +1337,7 @@
             </a:r>
             <a:r>
               <a:rPr lang="en-US" baseline="0" dirty="0" smtClean="0"/>
-              <a:t> still available (depending on client connecting to </a:t>
-            </a:r>
-            <a:r>
-              <a:rPr lang="en-US" baseline="0" smtClean="0"/>
-              <a:t>the available node!)</a:t>
+              <a:t> still available (depending on client connecting to the available node!)</a:t>
             </a:r>
           </a:p>
           <a:p>
@@ -4412,6 +4408,21 @@
               <a:rPr lang="en-US" sz="2300" dirty="0" smtClean="0"/>
               <a:t>shards, replicas</a:t>
             </a:r>
+          </a:p>
+          <a:p>
+            <a:pPr marL="1085850" lvl="1" indent="-342900">
+              <a:buFont typeface="Arial"/>
+              <a:buChar char="•"/>
+            </a:pPr>
+            <a:r>
+              <a:rPr lang="en-US" sz="2300" dirty="0" smtClean="0"/>
+              <a:t>nodes, sniffing, (software) </a:t>
+            </a:r>
+            <a:r>
+              <a:rPr lang="en-US" sz="2300" smtClean="0"/>
+              <a:t>load balancing</a:t>
+            </a:r>
+            <a:endParaRPr lang="en-US" sz="2300" dirty="0" smtClean="0"/>
           </a:p>
           <a:p>
             <a:pPr marL="342900" indent="-342900">

--- a/presentation/Elasticsearch-meetup-2019-03.pptx
+++ b/presentation/Elasticsearch-meetup-2019-03.pptx
@@ -4416,13 +4416,18 @@
             </a:pPr>
             <a:r>
               <a:rPr lang="en-US" sz="2300" dirty="0" smtClean="0"/>
-              <a:t>nodes, sniffing, (software) </a:t>
-            </a:r>
-            <a:r>
-              <a:rPr lang="en-US" sz="2300" smtClean="0"/>
-              <a:t>load balancing</a:t>
-            </a:r>
-            <a:endParaRPr lang="en-US" sz="2300" dirty="0" smtClean="0"/>
+              <a:t>nodes, sniffing, (software) load balancing</a:t>
+            </a:r>
+          </a:p>
+          <a:p>
+            <a:pPr marL="1085850" lvl="1" indent="-342900">
+              <a:buFont typeface="Arial"/>
+              <a:buChar char="•"/>
+            </a:pPr>
+            <a:r>
+              <a:rPr lang="en-US" sz="2300" dirty="0" smtClean="0"/>
+              <a:t>rack awareness</a:t>
+            </a:r>
           </a:p>
           <a:p>
             <a:pPr marL="342900" indent="-342900">

--- a/presentation/Elasticsearch-meetup-2019-03.pptx
+++ b/presentation/Elasticsearch-meetup-2019-03.pptx
@@ -152,7 +152,7 @@
   </p:defaultTextStyle>
   <p:extLst>
     <p:ext uri="{EFAFB233-063F-42B5-8137-9DF3F51BA10A}">
-      <p15:sldGuideLst xmlns:p15="http://schemas.microsoft.com/office/powerpoint/2012/main" xmlns="">
+      <p15:sldGuideLst xmlns:p15="http://schemas.microsoft.com/office/powerpoint/2012/main">
         <p15:guide id="1" orient="horz" pos="2160" userDrawn="1">
           <p15:clr>
             <a:srgbClr val="A4A3A4"/>
@@ -166,7 +166,7 @@
       </p15:sldGuideLst>
     </p:ext>
     <p:ext uri="{2D200454-40CA-4A62-9FC3-DE9A4176ACB9}">
-      <p15:notesGuideLst xmlns:p15="http://schemas.microsoft.com/office/powerpoint/2012/main" xmlns=""/>
+      <p15:notesGuideLst xmlns:p15="http://schemas.microsoft.com/office/powerpoint/2012/main"/>
     </p:ext>
   </p:extLst>
 </p:presentation>
@@ -281,7 +281,7 @@
               <a:pPr>
                 <a:defRPr/>
               </a:pPr>
-              <a:t>13-04-19</a:t>
+              <a:t>15-4-2019</a:t>
             </a:fld>
             <a:endParaRPr lang="nl-NL"/>
           </a:p>
@@ -374,7 +374,7 @@
               <a:pPr>
                 <a:defRPr/>
               </a:pPr>
-              <a:t>‹nr.›</a:t>
+              <a:t>‹#›</a:t>
             </a:fld>
             <a:endParaRPr lang="nl-NL"/>
           </a:p>
@@ -501,7 +501,7 @@
               <a:pPr>
                 <a:defRPr/>
               </a:pPr>
-              <a:t>13-04-19</a:t>
+              <a:t>15-4-2019</a:t>
             </a:fld>
             <a:endParaRPr lang="nl-NL"/>
           </a:p>
@@ -568,38 +568,37 @@
           <a:p>
             <a:pPr lvl="0"/>
             <a:r>
-              <a:rPr lang="nl-NL" noProof="0" smtClean="0"/>
+              <a:rPr lang="nl-NL" noProof="0"/>
               <a:t>Klik om de modelstijlen te bewerken</a:t>
             </a:r>
           </a:p>
           <a:p>
             <a:pPr lvl="1"/>
             <a:r>
-              <a:rPr lang="nl-NL" noProof="0" smtClean="0"/>
+              <a:rPr lang="nl-NL" noProof="0"/>
               <a:t>Tweede niveau</a:t>
             </a:r>
           </a:p>
           <a:p>
             <a:pPr lvl="2"/>
             <a:r>
-              <a:rPr lang="nl-NL" noProof="0" smtClean="0"/>
+              <a:rPr lang="nl-NL" noProof="0"/>
               <a:t>Derde niveau</a:t>
             </a:r>
           </a:p>
           <a:p>
             <a:pPr lvl="3"/>
             <a:r>
-              <a:rPr lang="nl-NL" noProof="0" smtClean="0"/>
+              <a:rPr lang="nl-NL" noProof="0"/>
               <a:t>Vierde niveau</a:t>
             </a:r>
           </a:p>
           <a:p>
             <a:pPr lvl="4"/>
             <a:r>
-              <a:rPr lang="nl-NL" noProof="0" smtClean="0"/>
+              <a:rPr lang="nl-NL" noProof="0"/>
               <a:t>Vijfde niveau</a:t>
             </a:r>
-            <a:endParaRPr lang="nl-NL" noProof="0"/>
           </a:p>
         </p:txBody>
       </p:sp>
@@ -690,7 +689,7 @@
               <a:pPr>
                 <a:defRPr/>
               </a:pPr>
-              <a:t>‹nr.›</a:t>
+              <a:t>‹#›</a:t>
             </a:fld>
             <a:endParaRPr lang="nl-NL"/>
           </a:p>
@@ -895,7 +894,7 @@
           <a:lstStyle/>
           <a:p>
             <a:pPr eaLnBrk="1" hangingPunct="1"/>
-            <a:endParaRPr lang="nl-NL" smtClean="0"/>
+            <a:endParaRPr lang="nl-NL"/>
           </a:p>
         </p:txBody>
       </p:sp>
@@ -977,7 +976,7 @@
           <a:lstStyle/>
           <a:p>
             <a:pPr eaLnBrk="1" hangingPunct="1"/>
-            <a:endParaRPr lang="nl-NL" smtClean="0"/>
+            <a:endParaRPr lang="nl-NL"/>
           </a:p>
         </p:txBody>
       </p:sp>
@@ -1039,81 +1038,81 @@
           <a:lstStyle/>
           <a:p>
             <a:r>
-              <a:rPr lang="en-US" dirty="0" smtClean="0"/>
+              <a:rPr lang="en-US" dirty="0"/>
               <a:t>check data:</a:t>
             </a:r>
-            <a:endParaRPr lang="en-US" baseline="0" dirty="0" smtClean="0"/>
-          </a:p>
-          <a:p>
-            <a:r>
-              <a:rPr lang="en-US" baseline="0" dirty="0" smtClean="0"/>
+            <a:endParaRPr lang="en-US" baseline="0" dirty="0"/>
+          </a:p>
+          <a:p>
+            <a:r>
+              <a:rPr lang="en-US" baseline="0" dirty="0"/>
               <a:t>cd ~/</a:t>
             </a:r>
             <a:r>
-              <a:rPr lang="en-US" baseline="0" dirty="0" err="1" smtClean="0"/>
+              <a:rPr lang="en-US" baseline="0" dirty="0" err="1"/>
               <a:t>git</a:t>
             </a:r>
             <a:r>
-              <a:rPr lang="en-US" baseline="0" dirty="0" smtClean="0"/>
+              <a:rPr lang="en-US" baseline="0" dirty="0"/>
               <a:t>/</a:t>
             </a:r>
             <a:r>
-              <a:rPr lang="en-US" baseline="0" dirty="0" err="1" smtClean="0"/>
+              <a:rPr lang="en-US" baseline="0" dirty="0" err="1"/>
               <a:t>es-meetup</a:t>
             </a:r>
             <a:r>
-              <a:rPr lang="en-US" baseline="0" dirty="0" smtClean="0"/>
+              <a:rPr lang="en-US" baseline="0" dirty="0"/>
               <a:t>/data</a:t>
             </a:r>
           </a:p>
           <a:p>
             <a:r>
-              <a:rPr lang="en-US" baseline="0" dirty="0" smtClean="0"/>
+              <a:rPr lang="en-US" baseline="0" dirty="0"/>
               <a:t>unzip </a:t>
             </a:r>
             <a:r>
-              <a:rPr lang="en-US" baseline="0" dirty="0" err="1" smtClean="0"/>
+              <a:rPr lang="en-US" baseline="0" dirty="0" err="1"/>
               <a:t>wikipedia</a:t>
             </a:r>
             <a:r>
-              <a:rPr lang="en-US" baseline="0" dirty="0" smtClean="0"/>
+              <a:rPr lang="en-US" baseline="0" dirty="0"/>
               <a:t>-movie-</a:t>
             </a:r>
             <a:r>
-              <a:rPr lang="en-US" baseline="0" dirty="0" err="1" smtClean="0"/>
+              <a:rPr lang="en-US" baseline="0" dirty="0" err="1"/>
               <a:t>plots.zip</a:t>
             </a:r>
-            <a:endParaRPr lang="en-US" baseline="0" dirty="0" smtClean="0"/>
-          </a:p>
-          <a:p>
-            <a:r>
-              <a:rPr lang="en-US" baseline="0" dirty="0" smtClean="0"/>
+            <a:endParaRPr lang="en-US" baseline="0" dirty="0"/>
+          </a:p>
+          <a:p>
+            <a:r>
+              <a:rPr lang="en-US" baseline="0" dirty="0"/>
               <a:t>head unzip </a:t>
             </a:r>
             <a:r>
-              <a:rPr lang="en-US" baseline="0" dirty="0" err="1" smtClean="0"/>
+              <a:rPr lang="en-US" baseline="0" dirty="0" err="1"/>
               <a:t>wikipedia</a:t>
             </a:r>
             <a:r>
-              <a:rPr lang="en-US" baseline="0" dirty="0" smtClean="0"/>
+              <a:rPr lang="en-US" baseline="0" dirty="0"/>
               <a:t>-movie-</a:t>
             </a:r>
             <a:r>
-              <a:rPr lang="en-US" baseline="0" dirty="0" err="1" smtClean="0"/>
+              <a:rPr lang="en-US" baseline="0" dirty="0" err="1"/>
               <a:t>plots.csv</a:t>
             </a:r>
-            <a:endParaRPr lang="en-US" baseline="0" dirty="0" smtClean="0"/>
-          </a:p>
-          <a:p>
-            <a:endParaRPr lang="en-US" dirty="0" smtClean="0"/>
-          </a:p>
-          <a:p>
-            <a:r>
-              <a:rPr lang="en-US" dirty="0" smtClean="0"/>
+            <a:endParaRPr lang="en-US" baseline="0" dirty="0"/>
+          </a:p>
+          <a:p>
+            <a:endParaRPr lang="en-US" dirty="0"/>
+          </a:p>
+          <a:p>
+            <a:r>
+              <a:rPr lang="en-US" dirty="0"/>
               <a:t>create </a:t>
             </a:r>
             <a:r>
-              <a:rPr lang="en-US" smtClean="0"/>
+              <a:rPr lang="en-US"/>
               <a:t>H2 database</a:t>
             </a:r>
             <a:endParaRPr lang="en-US" dirty="0"/>
@@ -1178,41 +1177,41 @@
           <a:lstStyle/>
           <a:p>
             <a:r>
-              <a:rPr lang="en-US" dirty="0" smtClean="0"/>
+              <a:rPr lang="en-US" dirty="0"/>
               <a:t>example</a:t>
             </a:r>
             <a:r>
-              <a:rPr lang="en-US" baseline="0" dirty="0" smtClean="0"/>
+              <a:rPr lang="en-US" baseline="0" dirty="0"/>
               <a:t> movie Office Space, https://</a:t>
             </a:r>
             <a:r>
-              <a:rPr lang="en-US" baseline="0" dirty="0" err="1" smtClean="0"/>
+              <a:rPr lang="en-US" baseline="0" dirty="0" err="1"/>
               <a:t>www.youtube.com</a:t>
             </a:r>
             <a:r>
-              <a:rPr lang="en-US" baseline="0" dirty="0" smtClean="0"/>
+              <a:rPr lang="en-US" baseline="0" dirty="0"/>
               <a:t>/</a:t>
             </a:r>
             <a:r>
-              <a:rPr lang="en-US" baseline="0" dirty="0" err="1" smtClean="0"/>
+              <a:rPr lang="en-US" baseline="0" dirty="0" err="1"/>
               <a:t>watch?v</a:t>
             </a:r>
             <a:r>
-              <a:rPr lang="en-US" baseline="0" dirty="0" smtClean="0"/>
+              <a:rPr lang="en-US" baseline="0" dirty="0"/>
               <a:t>=cUOuUX_F_5I</a:t>
             </a:r>
           </a:p>
           <a:p>
             <a:r>
-              <a:rPr lang="en-US" baseline="0" dirty="0" err="1" smtClean="0"/>
+              <a:rPr lang="en-US" baseline="0" dirty="0" err="1"/>
               <a:t>jennifer</a:t>
             </a:r>
             <a:r>
-              <a:rPr lang="en-US" baseline="0" dirty="0" smtClean="0"/>
+              <a:rPr lang="en-US" baseline="0" dirty="0"/>
               <a:t> </a:t>
             </a:r>
             <a:r>
-              <a:rPr lang="en-US" baseline="0" smtClean="0"/>
+              <a:rPr lang="en-US" baseline="0"/>
               <a:t>aniston</a:t>
             </a:r>
           </a:p>
@@ -1279,64 +1278,64 @@
           <a:lstStyle/>
           <a:p>
             <a:r>
-              <a:rPr lang="en-US" dirty="0" err="1" smtClean="0"/>
+              <a:rPr lang="en-US" dirty="0" err="1"/>
               <a:t>mkdir</a:t>
             </a:r>
             <a:r>
-              <a:rPr lang="en-US" dirty="0" smtClean="0"/>
+              <a:rPr lang="en-US" dirty="0"/>
               <a:t> elasticsearch-7.0.0b</a:t>
             </a:r>
           </a:p>
           <a:p>
             <a:r>
-              <a:rPr lang="en-US" dirty="0" smtClean="0"/>
+              <a:rPr lang="en-US" dirty="0"/>
               <a:t>tar </a:t>
             </a:r>
             <a:r>
-              <a:rPr lang="en-US" dirty="0" err="1" smtClean="0"/>
+              <a:rPr lang="en-US" dirty="0" err="1"/>
               <a:t>xvf</a:t>
             </a:r>
             <a:r>
-              <a:rPr lang="en-US" dirty="0" smtClean="0"/>
+              <a:rPr lang="en-US" dirty="0"/>
               <a:t> elasticsearch-7.0.0-darwin-x86_64.tar.gz -C elasticsearch-7.0.0b/ --strip-components=1</a:t>
             </a:r>
           </a:p>
           <a:p>
             <a:r>
-              <a:rPr lang="en-US" dirty="0" smtClean="0"/>
+              <a:rPr lang="en-US" dirty="0"/>
               <a:t>cd elasticsearch-7.0.0b</a:t>
             </a:r>
           </a:p>
           <a:p>
             <a:r>
-              <a:rPr lang="en-US" dirty="0" smtClean="0"/>
+              <a:rPr lang="en-US" dirty="0"/>
               <a:t>bin/</a:t>
             </a:r>
             <a:r>
-              <a:rPr lang="en-US" dirty="0" err="1" smtClean="0"/>
+              <a:rPr lang="en-US" dirty="0" err="1"/>
               <a:t>elasticsearch</a:t>
             </a:r>
-            <a:endParaRPr lang="en-US" dirty="0" smtClean="0"/>
-          </a:p>
-          <a:p>
-            <a:endParaRPr lang="en-US" dirty="0" smtClean="0"/>
-          </a:p>
-          <a:p>
-            <a:r>
-              <a:rPr lang="en-US" dirty="0" smtClean="0"/>
+            <a:endParaRPr lang="en-US" dirty="0"/>
+          </a:p>
+          <a:p>
+            <a:endParaRPr lang="en-US" dirty="0"/>
+          </a:p>
+          <a:p>
+            <a:r>
+              <a:rPr lang="en-US" dirty="0"/>
               <a:t>set replica to 1</a:t>
             </a:r>
           </a:p>
           <a:p>
-            <a:endParaRPr lang="en-US" dirty="0" smtClean="0"/>
-          </a:p>
-          <a:p>
-            <a:r>
-              <a:rPr lang="en-US" dirty="0" smtClean="0"/>
+            <a:endParaRPr lang="en-US" dirty="0"/>
+          </a:p>
+          <a:p>
+            <a:r>
+              <a:rPr lang="en-US" dirty="0"/>
               <a:t>stop 1 node, service</a:t>
             </a:r>
             <a:r>
-              <a:rPr lang="en-US" baseline="0" dirty="0" smtClean="0"/>
+              <a:rPr lang="en-US" baseline="0" dirty="0"/>
               <a:t> still available (depending on client connecting to the available node!)</a:t>
             </a:r>
           </a:p>
@@ -1540,10 +1539,9 @@
           </a:lstStyle>
           <a:p>
             <a:r>
-              <a:rPr lang="nl-NL" dirty="0" smtClean="0"/>
+              <a:rPr lang="nl-NL" dirty="0"/>
               <a:t>Klik om de stijl te bewerken</a:t>
             </a:r>
-            <a:endParaRPr lang="nl-NL" dirty="0"/>
           </a:p>
         </p:txBody>
       </p:sp>
@@ -1585,7 +1583,7 @@
           <a:p>
             <a:pPr lvl="0"/>
             <a:r>
-              <a:rPr lang="nl-NL" smtClean="0"/>
+              <a:rPr lang="nl-NL"/>
               <a:t>Klik om de modelstijlen te bewerken</a:t>
             </a:r>
           </a:p>
@@ -1628,7 +1626,7 @@
           <a:p>
             <a:pPr lvl="0"/>
             <a:r>
-              <a:rPr lang="nl-NL" smtClean="0"/>
+              <a:rPr lang="nl-NL"/>
               <a:t>Klik om de modelstijlen te bewerken</a:t>
             </a:r>
           </a:p>
@@ -1669,7 +1667,7 @@
           <a:p>
             <a:pPr lvl="0"/>
             <a:r>
-              <a:rPr lang="nl-NL" smtClean="0"/>
+              <a:rPr lang="nl-NL"/>
               <a:t>Klik om de modelstijlen te bewerken</a:t>
             </a:r>
           </a:p>
@@ -1680,13 +1678,6 @@
   <p:clrMapOvr>
     <a:masterClrMapping/>
   </p:clrMapOvr>
-  <p:timing>
-    <p:tnLst>
-      <p:par>
-        <p:cTn xmlns:p14="http://schemas.microsoft.com/office/powerpoint/2010/main" id="1" dur="indefinite" restart="never" nodeType="tmRoot"/>
-      </p:par>
-    </p:tnLst>
-  </p:timing>
 </p:sldLayout>
 </file>
 
@@ -1862,10 +1853,10 @@
               <a:defRPr/>
             </a:pPr>
             <a:r>
-              <a:rPr lang="nl-NL" sz="1400" spc="10" dirty="0" err="1" smtClean="0"/>
+              <a:rPr lang="nl-NL" sz="1400" spc="10" dirty="0" err="1"/>
               <a:t>www.cerios.nl</a:t>
             </a:r>
-            <a:endParaRPr lang="nl-NL" sz="1400" spc="10" dirty="0" smtClean="0"/>
+            <a:endParaRPr lang="nl-NL" sz="1400" spc="10" dirty="0"/>
           </a:p>
         </p:txBody>
       </p:sp>
@@ -1919,7 +1910,7 @@
                 </a:spcAft>
                 <a:defRPr/>
               </a:pPr>
-              <a:t>‹nr.›</a:t>
+              <a:t>‹#›</a:t>
             </a:fld>
             <a:endParaRPr lang="nl-NL" sz="1100" dirty="0">
               <a:solidFill>
@@ -1961,7 +1952,7 @@
           </a:lstStyle>
           <a:p>
             <a:r>
-              <a:rPr lang="nl-NL" smtClean="0"/>
+              <a:rPr lang="nl-NL"/>
               <a:t>Klik om de stijl te bewerken</a:t>
             </a:r>
             <a:endParaRPr lang="nl-NL" dirty="0"/>
@@ -2017,7 +2008,7 @@
           <a:p>
             <a:pPr lvl="0"/>
             <a:r>
-              <a:rPr lang="nl-NL" noProof="0" smtClean="0"/>
+              <a:rPr lang="nl-NL" noProof="0"/>
               <a:t>Klik om de modelstijlen te bewerken</a:t>
             </a:r>
           </a:p>
@@ -2053,7 +2044,7 @@
           <a:p>
             <a:pPr lvl="0"/>
             <a:r>
-              <a:rPr lang="nl-NL" smtClean="0"/>
+              <a:rPr lang="nl-NL"/>
               <a:t>Klik om de modelstijlen te bewerken</a:t>
             </a:r>
           </a:p>
@@ -2064,13 +2055,6 @@
   <p:clrMapOvr>
     <a:masterClrMapping/>
   </p:clrMapOvr>
-  <p:timing>
-    <p:tnLst>
-      <p:par>
-        <p:cTn xmlns:p14="http://schemas.microsoft.com/office/powerpoint/2010/main" id="1" dur="indefinite" restart="never" nodeType="tmRoot"/>
-      </p:par>
-    </p:tnLst>
-  </p:timing>
   <p:hf sldNum="0" hdr="0" ftr="0" dt="0"/>
 </p:sldLayout>
 </file>
@@ -2209,10 +2193,10 @@
               <a:defRPr/>
             </a:pPr>
             <a:r>
-              <a:rPr lang="nl-NL" sz="1400" spc="10" dirty="0" err="1" smtClean="0"/>
+              <a:rPr lang="nl-NL" sz="1400" spc="10" dirty="0" err="1"/>
               <a:t>www.cerios.nl</a:t>
             </a:r>
-            <a:endParaRPr lang="nl-NL" sz="1400" spc="10" dirty="0" smtClean="0"/>
+            <a:endParaRPr lang="nl-NL" sz="1400" spc="10" dirty="0"/>
           </a:p>
         </p:txBody>
       </p:sp>
@@ -2266,7 +2250,7 @@
                 </a:spcAft>
                 <a:defRPr/>
               </a:pPr>
-              <a:t>‹nr.›</a:t>
+              <a:t>‹#›</a:t>
             </a:fld>
             <a:endParaRPr lang="nl-NL" sz="1100" dirty="0">
               <a:solidFill>
@@ -2308,7 +2292,7 @@
           </a:lstStyle>
           <a:p>
             <a:r>
-              <a:rPr lang="nl-NL" smtClean="0"/>
+              <a:rPr lang="nl-NL"/>
               <a:t>Klik om de stijl te bewerken</a:t>
             </a:r>
             <a:endParaRPr lang="nl-NL" dirty="0"/>
@@ -2374,7 +2358,7 @@
           <a:p>
             <a:pPr lvl="0"/>
             <a:r>
-              <a:rPr lang="nl-NL" noProof="0" smtClean="0"/>
+              <a:rPr lang="nl-NL" noProof="0"/>
               <a:t>Klik op het pictogram als u een afbeelding wilt toevoegen</a:t>
             </a:r>
             <a:endParaRPr lang="nl-NL" noProof="0" dirty="0"/>
@@ -2430,7 +2414,7 @@
           <a:p>
             <a:pPr lvl="0"/>
             <a:r>
-              <a:rPr lang="nl-NL" noProof="0" smtClean="0"/>
+              <a:rPr lang="nl-NL" noProof="0"/>
               <a:t>Klik om de modelstijlen te bewerken</a:t>
             </a:r>
           </a:p>
@@ -2466,7 +2450,7 @@
           <a:p>
             <a:pPr lvl="0"/>
             <a:r>
-              <a:rPr lang="nl-NL" smtClean="0"/>
+              <a:rPr lang="nl-NL"/>
               <a:t>Klik om de modelstijlen te bewerken</a:t>
             </a:r>
           </a:p>
@@ -2683,10 +2667,10 @@
               <a:defRPr/>
             </a:pPr>
             <a:r>
-              <a:rPr lang="nl-NL" sz="1400" spc="10" dirty="0" err="1" smtClean="0"/>
+              <a:rPr lang="nl-NL" sz="1400" spc="10" dirty="0" err="1"/>
               <a:t>www.cerios.nl</a:t>
             </a:r>
-            <a:endParaRPr lang="nl-NL" sz="1400" spc="10" dirty="0" smtClean="0"/>
+            <a:endParaRPr lang="nl-NL" sz="1400" spc="10" dirty="0"/>
           </a:p>
         </p:txBody>
       </p:sp>
@@ -2740,7 +2724,7 @@
                 </a:spcAft>
                 <a:defRPr/>
               </a:pPr>
-              <a:t>‹nr.›</a:t>
+              <a:t>‹#›</a:t>
             </a:fld>
             <a:endParaRPr lang="nl-NL" sz="1100" dirty="0">
               <a:solidFill>
@@ -2782,7 +2766,7 @@
           </a:lstStyle>
           <a:p>
             <a:r>
-              <a:rPr lang="nl-NL" smtClean="0"/>
+              <a:rPr lang="nl-NL"/>
               <a:t>Klik om de stijl te bewerken</a:t>
             </a:r>
             <a:endParaRPr lang="nl-NL" dirty="0"/>
@@ -2838,7 +2822,7 @@
           <a:p>
             <a:pPr lvl="0"/>
             <a:r>
-              <a:rPr lang="nl-NL" noProof="0" smtClean="0"/>
+              <a:rPr lang="nl-NL" noProof="0"/>
               <a:t>Klik om de modelstijlen te bewerken</a:t>
             </a:r>
           </a:p>
@@ -2890,21 +2874,21 @@
           <a:p>
             <a:pPr lvl="0"/>
             <a:r>
-              <a:rPr lang="nl-NL" smtClean="0"/>
+              <a:rPr lang="nl-NL"/>
               <a:t>Klik om de modelstijlen te bewerken</a:t>
             </a:r>
           </a:p>
           <a:p>
             <a:pPr lvl="1"/>
             <a:r>
-              <a:rPr lang="nl-NL" smtClean="0"/>
+              <a:rPr lang="nl-NL"/>
               <a:t>Tweede niveau</a:t>
             </a:r>
           </a:p>
           <a:p>
             <a:pPr lvl="2"/>
             <a:r>
-              <a:rPr lang="nl-NL" smtClean="0"/>
+              <a:rPr lang="nl-NL"/>
               <a:t>Derde niveau</a:t>
             </a:r>
           </a:p>
@@ -2915,13 +2899,6 @@
   <p:clrMapOvr>
     <a:masterClrMapping/>
   </p:clrMapOvr>
-  <p:timing>
-    <p:tnLst>
-      <p:par>
-        <p:cTn xmlns:p14="http://schemas.microsoft.com/office/powerpoint/2010/main" id="1" dur="indefinite" restart="never" nodeType="tmRoot"/>
-      </p:par>
-    </p:tnLst>
-  </p:timing>
 </p:sldLayout>
 </file>
 
@@ -3156,7 +3133,7 @@
           </a:lstStyle>
           <a:p>
             <a:r>
-              <a:rPr lang="nl-NL" smtClean="0"/>
+              <a:rPr lang="nl-NL"/>
               <a:t>Klik om de stijl te bewerken</a:t>
             </a:r>
             <a:endParaRPr lang="nl-NL" dirty="0"/>
@@ -3295,7 +3272,7 @@
           <a:p>
             <a:pPr lvl="0"/>
             <a:r>
-              <a:rPr lang="nl-NL" noProof="0" smtClean="0"/>
+              <a:rPr lang="nl-NL" noProof="0"/>
               <a:t>Klik om de modelstijlen te bewerken</a:t>
             </a:r>
           </a:p>
@@ -3306,13 +3283,6 @@
   <p:clrMapOvr>
     <a:masterClrMapping/>
   </p:clrMapOvr>
-  <p:timing>
-    <p:tnLst>
-      <p:par>
-        <p:cTn xmlns:p14="http://schemas.microsoft.com/office/powerpoint/2010/main" id="1" dur="indefinite" restart="never" nodeType="tmRoot"/>
-      </p:par>
-    </p:tnLst>
-  </p:timing>
 </p:sldLayout>
 </file>
 
@@ -3374,7 +3344,7 @@
           <a:p>
             <a:pPr lvl="0"/>
             <a:r>
-              <a:rPr lang="nl-NL" smtClean="0"/>
+              <a:rPr lang="nl-NL"/>
               <a:t>Titel</a:t>
             </a:r>
           </a:p>
@@ -3407,38 +3377,37 @@
           <a:p>
             <a:pPr lvl="0"/>
             <a:r>
-              <a:rPr lang="nl-NL" dirty="0" smtClean="0"/>
+              <a:rPr lang="nl-NL" dirty="0"/>
               <a:t>Eerste niveau</a:t>
             </a:r>
           </a:p>
           <a:p>
             <a:pPr lvl="0"/>
             <a:r>
-              <a:rPr lang="nl-NL" dirty="0" smtClean="0"/>
+              <a:rPr lang="nl-NL" dirty="0"/>
               <a:t>Tweede niveau</a:t>
             </a:r>
           </a:p>
           <a:p>
             <a:pPr lvl="0"/>
             <a:r>
-              <a:rPr lang="nl-NL" dirty="0" smtClean="0"/>
+              <a:rPr lang="nl-NL" dirty="0"/>
               <a:t>Derde niveau</a:t>
             </a:r>
           </a:p>
           <a:p>
             <a:pPr lvl="0"/>
             <a:r>
-              <a:rPr lang="nl-NL" dirty="0" smtClean="0"/>
+              <a:rPr lang="nl-NL" dirty="0"/>
               <a:t>Vierde niveau</a:t>
             </a:r>
           </a:p>
           <a:p>
             <a:pPr lvl="0"/>
             <a:r>
-              <a:rPr lang="nl-NL" dirty="0" smtClean="0"/>
+              <a:rPr lang="nl-NL" dirty="0"/>
               <a:t>Vijfde niveau</a:t>
             </a:r>
-            <a:endParaRPr lang="nl-NL" dirty="0"/>
           </a:p>
         </p:txBody>
       </p:sp>
@@ -3917,7 +3886,7 @@
           <a:p>
             <a:pPr eaLnBrk="1" hangingPunct="1"/>
             <a:r>
-              <a:rPr lang="nl-NL" sz="4000" dirty="0" err="1" smtClean="0">
+              <a:rPr lang="nl-NL" sz="4000" dirty="0" err="1">
                 <a:solidFill>
                   <a:schemeClr val="bg1"/>
                 </a:solidFill>
@@ -3927,7 +3896,7 @@
               <a:t>Cerios</a:t>
             </a:r>
             <a:r>
-              <a:rPr lang="nl-NL" sz="4000" dirty="0" smtClean="0">
+              <a:rPr lang="nl-NL" sz="4000" dirty="0">
                 <a:solidFill>
                   <a:schemeClr val="bg1"/>
                 </a:solidFill>
@@ -3937,7 +3906,7 @@
               <a:t> </a:t>
             </a:r>
             <a:r>
-              <a:rPr lang="nl-NL" sz="4000" dirty="0" err="1" smtClean="0">
+              <a:rPr lang="nl-NL" sz="4000" dirty="0" err="1">
                 <a:solidFill>
                   <a:schemeClr val="bg1"/>
                 </a:solidFill>
@@ -3980,14 +3949,14 @@
           <a:p>
             <a:pPr marL="0" indent="0"/>
             <a:r>
-              <a:rPr lang="nl-NL" sz="1800" dirty="0" smtClean="0">
+              <a:rPr lang="nl-NL" sz="1800" dirty="0">
                 <a:latin typeface="Arial" charset="0"/>
                 <a:cs typeface="Arial" charset="0"/>
               </a:rPr>
               <a:t>Maart 2019: </a:t>
             </a:r>
             <a:r>
-              <a:rPr lang="nl-NL" sz="1800" dirty="0" err="1" smtClean="0">
+              <a:rPr lang="nl-NL" sz="1800" dirty="0" err="1">
                 <a:latin typeface="Arial" charset="0"/>
                 <a:cs typeface="Arial" charset="0"/>
               </a:rPr>
@@ -4010,13 +3979,6 @@
   <p:clrMapOvr>
     <a:masterClrMapping/>
   </p:clrMapOvr>
-  <p:timing>
-    <p:tnLst>
-      <p:par>
-        <p:cTn xmlns:p14="http://schemas.microsoft.com/office/powerpoint/2010/main" id="1" dur="indefinite" restart="never" nodeType="tmRoot"/>
-      </p:par>
-    </p:tnLst>
-  </p:timing>
 </p:sld>
 </file>
 
@@ -4053,10 +4015,9 @@
           <a:lstStyle/>
           <a:p>
             <a:r>
-              <a:rPr lang="en-US" dirty="0" smtClean="0"/>
+              <a:rPr lang="en-US" dirty="0"/>
               <a:t>Example system, the making continued..</a:t>
             </a:r>
-            <a:endParaRPr lang="en-US" dirty="0"/>
           </a:p>
         </p:txBody>
       </p:sp>
@@ -4076,15 +4037,15 @@
           <a:lstStyle/>
           <a:p>
             <a:r>
-              <a:rPr lang="en-US" dirty="0" err="1" smtClean="0"/>
+              <a:rPr lang="en-US" dirty="0" err="1"/>
               <a:t>Elasticsearch</a:t>
             </a:r>
             <a:r>
-              <a:rPr lang="en-US" dirty="0" smtClean="0"/>
+              <a:rPr lang="en-US" dirty="0"/>
               <a:t> </a:t>
             </a:r>
             <a:r>
-              <a:rPr lang="en-US" dirty="0" err="1" smtClean="0"/>
+              <a:rPr lang="en-US" dirty="0" err="1"/>
               <a:t>Meetup</a:t>
             </a:r>
             <a:endParaRPr lang="en-US" dirty="0"/>
@@ -4116,23 +4077,23 @@
               <a:buChar char="•"/>
             </a:pPr>
             <a:r>
-              <a:rPr lang="en-US" sz="2000" dirty="0" smtClean="0"/>
+              <a:rPr lang="en-US" sz="2000" dirty="0"/>
               <a:t>Import </a:t>
             </a:r>
             <a:r>
-              <a:rPr lang="en-US" sz="2000" dirty="0" err="1" smtClean="0"/>
+              <a:rPr lang="en-US" sz="2000" dirty="0" err="1"/>
               <a:t>csv</a:t>
             </a:r>
             <a:r>
-              <a:rPr lang="en-US" sz="2000" dirty="0" smtClean="0"/>
+              <a:rPr lang="en-US" sz="2000" dirty="0"/>
               <a:t> data in </a:t>
             </a:r>
             <a:r>
-              <a:rPr lang="en-US" sz="2000" dirty="0" err="1" smtClean="0"/>
+              <a:rPr lang="en-US" sz="2000" dirty="0" err="1"/>
               <a:t>Elasticsearch</a:t>
             </a:r>
             <a:r>
-              <a:rPr lang="en-US" sz="2000" dirty="0" smtClean="0"/>
+              <a:rPr lang="en-US" sz="2000" dirty="0"/>
               <a:t> with model mapping</a:t>
             </a:r>
           </a:p>
@@ -4142,11 +4103,11 @@
               <a:buChar char="•"/>
             </a:pPr>
             <a:r>
-              <a:rPr lang="en-US" sz="2000" dirty="0" err="1" smtClean="0"/>
+              <a:rPr lang="en-US" sz="2000" dirty="0" err="1"/>
               <a:t>Analyse</a:t>
             </a:r>
             <a:r>
-              <a:rPr lang="en-US" sz="2000" dirty="0" smtClean="0"/>
+              <a:rPr lang="en-US" sz="2000" dirty="0"/>
               <a:t> what we have by default</a:t>
             </a:r>
           </a:p>
@@ -4156,7 +4117,7 @@
               <a:buChar char="•"/>
             </a:pPr>
             <a:r>
-              <a:rPr lang="en-US" sz="2000" dirty="0" smtClean="0"/>
+              <a:rPr lang="en-US" sz="2000" dirty="0"/>
               <a:t>while True:</a:t>
             </a:r>
           </a:p>
@@ -4166,14 +4127,14 @@
               <a:buChar char="•"/>
             </a:pPr>
             <a:r>
-              <a:rPr lang="en-US" sz="2300" dirty="0" smtClean="0"/>
+              <a:rPr lang="en-US" sz="2300" dirty="0"/>
               <a:t>Improve mappings and settings and </a:t>
             </a:r>
             <a:r>
-              <a:rPr lang="en-US" sz="2300" dirty="0" err="1" smtClean="0"/>
+              <a:rPr lang="en-US" sz="2300" dirty="0" err="1"/>
               <a:t>reindex</a:t>
             </a:r>
-            <a:endParaRPr lang="en-US" sz="2300" dirty="0" smtClean="0"/>
+            <a:endParaRPr lang="en-US" sz="2300" dirty="0"/>
           </a:p>
           <a:p>
             <a:pPr marL="1485900" lvl="2" indent="-342900">
@@ -4181,26 +4142,22 @@
               <a:buChar char="•"/>
             </a:pPr>
             <a:r>
-              <a:rPr lang="en-US" sz="2300" dirty="0" smtClean="0"/>
-              <a:t>types, analyzers</a:t>
-            </a:r>
-            <a:r>
-              <a:rPr lang="en-US" sz="2300" dirty="0" smtClean="0"/>
-              <a:t>, (</a:t>
-            </a:r>
-            <a:r>
-              <a:rPr lang="en-US" sz="2300" dirty="0" err="1" smtClean="0"/>
+              <a:rPr lang="en-US" sz="2300" dirty="0"/>
+              <a:t>types, analyzers, (</a:t>
+            </a:r>
+            <a:r>
+              <a:rPr lang="en-US" sz="2300" dirty="0" err="1"/>
               <a:t>ngram</a:t>
             </a:r>
             <a:r>
-              <a:rPr lang="en-US" sz="2300" dirty="0" smtClean="0"/>
+              <a:rPr lang="en-US" sz="2300" dirty="0"/>
               <a:t>) </a:t>
             </a:r>
             <a:r>
-              <a:rPr lang="en-US" sz="2300" dirty="0" err="1" smtClean="0"/>
+              <a:rPr lang="en-US" sz="2300" dirty="0" err="1"/>
               <a:t>tokenizers</a:t>
             </a:r>
-            <a:endParaRPr lang="en-US" sz="2300" dirty="0" smtClean="0"/>
+            <a:endParaRPr lang="en-US" sz="2300" dirty="0"/>
           </a:p>
           <a:p>
             <a:pPr marL="1085850" lvl="1" indent="-342900">
@@ -4208,10 +4165,9 @@
               <a:buChar char="•"/>
             </a:pPr>
             <a:r>
-              <a:rPr lang="en-US" sz="2300" dirty="0" smtClean="0"/>
+              <a:rPr lang="en-US" sz="2300" dirty="0"/>
               <a:t>Search and aggregate</a:t>
             </a:r>
-            <a:endParaRPr lang="en-US" sz="2300" dirty="0"/>
           </a:p>
           <a:p>
             <a:pPr marL="342900" indent="-342900">
@@ -4219,15 +4175,15 @@
               <a:buChar char="•"/>
             </a:pPr>
             <a:r>
-              <a:rPr lang="en-US" sz="2000" dirty="0" smtClean="0"/>
+              <a:rPr lang="en-US" sz="2000" dirty="0"/>
               <a:t>No downtime during </a:t>
             </a:r>
             <a:r>
-              <a:rPr lang="en-US" sz="2000" dirty="0" err="1" smtClean="0"/>
+              <a:rPr lang="en-US" sz="2000" dirty="0" err="1"/>
               <a:t>reindex</a:t>
             </a:r>
             <a:r>
-              <a:rPr lang="en-US" sz="2000" dirty="0" smtClean="0"/>
+              <a:rPr lang="en-US" sz="2000" dirty="0"/>
               <a:t>: </a:t>
             </a:r>
           </a:p>
@@ -4237,7 +4193,7 @@
               <a:buChar char="•"/>
             </a:pPr>
             <a:r>
-              <a:rPr lang="en-US" sz="2300" dirty="0" smtClean="0"/>
+              <a:rPr lang="en-US" sz="2300" dirty="0"/>
               <a:t>aliases</a:t>
             </a:r>
           </a:p>
@@ -4278,13 +4234,6 @@
   <p:clrMapOvr>
     <a:masterClrMapping/>
   </p:clrMapOvr>
-  <p:timing>
-    <p:tnLst>
-      <p:par>
-        <p:cTn xmlns:p14="http://schemas.microsoft.com/office/powerpoint/2010/main" id="1" dur="indefinite" restart="never" nodeType="tmRoot"/>
-      </p:par>
-    </p:tnLst>
-  </p:timing>
 </p:sld>
 </file>
 
@@ -4321,10 +4270,9 @@
           <a:lstStyle/>
           <a:p>
             <a:r>
-              <a:rPr lang="en-US" dirty="0" smtClean="0"/>
+              <a:rPr lang="en-US" dirty="0"/>
               <a:t>Example system, the making continued..</a:t>
             </a:r>
-            <a:endParaRPr lang="en-US" dirty="0"/>
           </a:p>
         </p:txBody>
       </p:sp>
@@ -4344,15 +4292,15 @@
           <a:lstStyle/>
           <a:p>
             <a:r>
-              <a:rPr lang="en-US" dirty="0" err="1" smtClean="0"/>
+              <a:rPr lang="en-US" dirty="0" err="1"/>
               <a:t>Elasticsearch</a:t>
             </a:r>
             <a:r>
-              <a:rPr lang="en-US" dirty="0" smtClean="0"/>
+              <a:rPr lang="en-US" dirty="0"/>
               <a:t> </a:t>
             </a:r>
             <a:r>
-              <a:rPr lang="en-US" dirty="0" err="1" smtClean="0"/>
+              <a:rPr lang="en-US" dirty="0" err="1"/>
               <a:t>Meetup</a:t>
             </a:r>
             <a:endParaRPr lang="en-US" dirty="0"/>
@@ -4384,10 +4332,9 @@
               <a:buChar char="•"/>
             </a:pPr>
             <a:r>
-              <a:rPr lang="en-US" sz="2000" dirty="0" smtClean="0"/>
+              <a:rPr lang="en-US" sz="2000" dirty="0"/>
               <a:t>High Availability</a:t>
             </a:r>
-            <a:endParaRPr lang="en-US" sz="2000" dirty="0" smtClean="0"/>
           </a:p>
           <a:p>
             <a:pPr marL="1085850" lvl="1" indent="-342900">
@@ -4395,7 +4342,7 @@
               <a:buChar char="•"/>
             </a:pPr>
             <a:r>
-              <a:rPr lang="en-US" sz="2300" dirty="0" smtClean="0"/>
+              <a:rPr lang="en-US" sz="2300" dirty="0"/>
               <a:t>scale up and down</a:t>
             </a:r>
           </a:p>
@@ -4405,7 +4352,7 @@
               <a:buChar char="•"/>
             </a:pPr>
             <a:r>
-              <a:rPr lang="en-US" sz="2300" dirty="0" smtClean="0"/>
+              <a:rPr lang="en-US" sz="2300" dirty="0"/>
               <a:t>shards, replicas</a:t>
             </a:r>
           </a:p>
@@ -4415,7 +4362,7 @@
               <a:buChar char="•"/>
             </a:pPr>
             <a:r>
-              <a:rPr lang="en-US" sz="2300" dirty="0" smtClean="0"/>
+              <a:rPr lang="en-US" sz="2300" dirty="0"/>
               <a:t>nodes, sniffing, (software) load balancing</a:t>
             </a:r>
           </a:p>
@@ -4425,7 +4372,7 @@
               <a:buChar char="•"/>
             </a:pPr>
             <a:r>
-              <a:rPr lang="en-US" sz="2300" dirty="0" smtClean="0"/>
+              <a:rPr lang="en-US" sz="2300" dirty="0"/>
               <a:t>rack awareness</a:t>
             </a:r>
           </a:p>
@@ -4435,7 +4382,7 @@
               <a:buChar char="•"/>
             </a:pPr>
             <a:r>
-              <a:rPr lang="en-US" sz="2000" dirty="0" smtClean="0"/>
+              <a:rPr lang="en-US" sz="2000" dirty="0"/>
               <a:t>Time series</a:t>
             </a:r>
           </a:p>
@@ -4445,7 +4392,7 @@
               <a:buChar char="•"/>
             </a:pPr>
             <a:r>
-              <a:rPr lang="en-US" sz="2300" dirty="0" smtClean="0"/>
+              <a:rPr lang="en-US" sz="2300" dirty="0"/>
               <a:t>Multi index syntax</a:t>
             </a:r>
           </a:p>
@@ -4455,10 +4402,9 @@
               <a:buChar char="•"/>
             </a:pPr>
             <a:r>
-              <a:rPr lang="en-US" sz="2300" dirty="0" smtClean="0"/>
+              <a:rPr lang="en-US" sz="2300" dirty="0"/>
               <a:t>Date math</a:t>
             </a:r>
-            <a:endParaRPr lang="en-US" sz="2300" dirty="0" smtClean="0"/>
           </a:p>
           <a:p>
             <a:pPr marL="1085850" lvl="1" indent="-342900">
@@ -4466,7 +4412,7 @@
               <a:buChar char="•"/>
             </a:pPr>
             <a:r>
-              <a:rPr lang="en-US" sz="2300" dirty="0" smtClean="0"/>
+              <a:rPr lang="en-US" sz="2300" dirty="0"/>
               <a:t>Templates</a:t>
             </a:r>
           </a:p>
@@ -4476,10 +4422,9 @@
               <a:buChar char="•"/>
             </a:pPr>
             <a:r>
-              <a:rPr lang="en-US" sz="2300" dirty="0" smtClean="0"/>
+              <a:rPr lang="en-US" sz="2300" dirty="0"/>
               <a:t>Calculate period per index</a:t>
             </a:r>
-            <a:endParaRPr lang="en-US" sz="2300" dirty="0" smtClean="0"/>
           </a:p>
         </p:txBody>
       </p:sp>
@@ -4518,13 +4463,6 @@
   <p:clrMapOvr>
     <a:masterClrMapping/>
   </p:clrMapOvr>
-  <p:timing>
-    <p:tnLst>
-      <p:par>
-        <p:cTn xmlns:p14="http://schemas.microsoft.com/office/powerpoint/2010/main" id="1" dur="indefinite" restart="never" nodeType="tmRoot"/>
-      </p:par>
-    </p:tnLst>
-  </p:timing>
 </p:sld>
 </file>
 
@@ -4561,7 +4499,7 @@
           <a:lstStyle/>
           <a:p>
             <a:r>
-              <a:rPr lang="nl-NL" dirty="0" smtClean="0"/>
+              <a:rPr lang="nl-NL" dirty="0"/>
               <a:t>Agenda</a:t>
             </a:r>
           </a:p>
@@ -4583,15 +4521,15 @@
           <a:lstStyle/>
           <a:p>
             <a:r>
-              <a:rPr lang="nl-NL" dirty="0" err="1" smtClean="0"/>
+              <a:rPr lang="nl-NL" dirty="0" err="1"/>
               <a:t>Elasticsearch</a:t>
             </a:r>
             <a:r>
-              <a:rPr lang="nl-NL" dirty="0" smtClean="0"/>
+              <a:rPr lang="nl-NL" dirty="0"/>
               <a:t> </a:t>
             </a:r>
             <a:r>
-              <a:rPr lang="nl-NL" dirty="0" err="1" smtClean="0"/>
+              <a:rPr lang="nl-NL" dirty="0" err="1"/>
               <a:t>Meetup</a:t>
             </a:r>
             <a:endParaRPr lang="nl-NL" dirty="0"/>
@@ -4626,43 +4564,43 @@
               <a:buChar char="•"/>
             </a:pPr>
             <a:r>
-              <a:rPr lang="nl-NL" sz="1600" dirty="0" err="1" smtClean="0"/>
+              <a:rPr lang="nl-NL" sz="1600" dirty="0" err="1"/>
               <a:t>Elasticsearch</a:t>
             </a:r>
             <a:r>
-              <a:rPr lang="nl-NL" sz="1600" dirty="0" smtClean="0"/>
+              <a:rPr lang="nl-NL" sz="1600" dirty="0"/>
               <a:t>, </a:t>
             </a:r>
             <a:r>
-              <a:rPr lang="nl-NL" sz="1600" dirty="0" err="1" smtClean="0"/>
+              <a:rPr lang="nl-NL" sz="1600" dirty="0" err="1"/>
               <a:t>when</a:t>
             </a:r>
             <a:r>
-              <a:rPr lang="nl-NL" sz="1600" dirty="0" smtClean="0"/>
+              <a:rPr lang="nl-NL" sz="1600" dirty="0"/>
               <a:t> </a:t>
             </a:r>
             <a:r>
-              <a:rPr lang="nl-NL" sz="1600" dirty="0" err="1" smtClean="0"/>
+              <a:rPr lang="nl-NL" sz="1600" dirty="0" err="1"/>
               <a:t>to</a:t>
             </a:r>
             <a:r>
-              <a:rPr lang="nl-NL" sz="1600" dirty="0" smtClean="0"/>
+              <a:rPr lang="nl-NL" sz="1600" dirty="0"/>
               <a:t> </a:t>
             </a:r>
             <a:r>
-              <a:rPr lang="nl-NL" sz="1600" dirty="0" err="1" smtClean="0"/>
+              <a:rPr lang="nl-NL" sz="1600" dirty="0" err="1"/>
               <a:t>use</a:t>
             </a:r>
             <a:r>
-              <a:rPr lang="nl-NL" sz="1600" dirty="0" smtClean="0"/>
+              <a:rPr lang="nl-NL" sz="1600" dirty="0"/>
               <a:t> (</a:t>
             </a:r>
             <a:r>
-              <a:rPr lang="nl-NL" sz="1600" dirty="0" err="1" smtClean="0"/>
+              <a:rPr lang="nl-NL" sz="1600" dirty="0" err="1"/>
               <a:t>architecture</a:t>
             </a:r>
             <a:r>
-              <a:rPr lang="nl-NL" sz="1600" dirty="0" smtClean="0"/>
+              <a:rPr lang="nl-NL" sz="1600" dirty="0"/>
               <a:t>)</a:t>
             </a:r>
           </a:p>
@@ -4672,35 +4610,35 @@
               <a:buChar char="•"/>
             </a:pPr>
             <a:r>
-              <a:rPr lang="nl-NL" sz="1600" dirty="0" err="1" smtClean="0"/>
+              <a:rPr lang="nl-NL" sz="1600" dirty="0" err="1"/>
               <a:t>Elasticsearch</a:t>
             </a:r>
             <a:r>
-              <a:rPr lang="nl-NL" sz="1600" dirty="0" smtClean="0"/>
+              <a:rPr lang="nl-NL" sz="1600" dirty="0"/>
               <a:t>, </a:t>
             </a:r>
             <a:r>
-              <a:rPr lang="nl-NL" sz="1600" dirty="0" err="1" smtClean="0"/>
+              <a:rPr lang="nl-NL" sz="1600" dirty="0" err="1"/>
               <a:t>how</a:t>
             </a:r>
             <a:r>
-              <a:rPr lang="nl-NL" sz="1600" dirty="0" smtClean="0"/>
+              <a:rPr lang="nl-NL" sz="1600" dirty="0"/>
               <a:t> </a:t>
             </a:r>
             <a:r>
-              <a:rPr lang="nl-NL" sz="1600" dirty="0" err="1" smtClean="0"/>
+              <a:rPr lang="nl-NL" sz="1600" dirty="0" err="1"/>
               <a:t>to</a:t>
             </a:r>
             <a:r>
-              <a:rPr lang="nl-NL" sz="1600" dirty="0" smtClean="0"/>
+              <a:rPr lang="nl-NL" sz="1600" dirty="0"/>
               <a:t> </a:t>
             </a:r>
             <a:r>
-              <a:rPr lang="nl-NL" sz="1600" dirty="0" err="1" smtClean="0"/>
+              <a:rPr lang="nl-NL" sz="1600" dirty="0" err="1"/>
               <a:t>use</a:t>
             </a:r>
             <a:r>
-              <a:rPr lang="nl-NL" sz="1600" dirty="0" smtClean="0"/>
+              <a:rPr lang="nl-NL" sz="1600" dirty="0"/>
               <a:t> (demo)</a:t>
             </a:r>
           </a:p>
@@ -4741,13 +4679,6 @@
   <p:clrMapOvr>
     <a:masterClrMapping/>
   </p:clrMapOvr>
-  <p:timing>
-    <p:tnLst>
-      <p:par>
-        <p:cTn xmlns:p14="http://schemas.microsoft.com/office/powerpoint/2010/main" id="1" dur="indefinite" restart="never" nodeType="tmRoot"/>
-      </p:par>
-    </p:tnLst>
-  </p:timing>
 </p:sld>
 </file>
 
@@ -4784,10 +4715,9 @@
           <a:lstStyle/>
           <a:p>
             <a:r>
-              <a:rPr lang="en-US" dirty="0" smtClean="0"/>
+              <a:rPr lang="en-US" dirty="0"/>
               <a:t>Architecture</a:t>
             </a:r>
-            <a:endParaRPr lang="en-US" dirty="0"/>
           </a:p>
         </p:txBody>
       </p:sp>
@@ -4807,15 +4737,15 @@
           <a:lstStyle/>
           <a:p>
             <a:r>
-              <a:rPr lang="en-US" dirty="0" err="1" smtClean="0"/>
+              <a:rPr lang="en-US" dirty="0" err="1"/>
               <a:t>Elasticsearch</a:t>
             </a:r>
             <a:r>
-              <a:rPr lang="en-US" dirty="0" smtClean="0"/>
+              <a:rPr lang="en-US" dirty="0"/>
               <a:t> </a:t>
             </a:r>
             <a:r>
-              <a:rPr lang="en-US" dirty="0" err="1" smtClean="0"/>
+              <a:rPr lang="en-US" dirty="0" err="1"/>
               <a:t>Meetup</a:t>
             </a:r>
             <a:endParaRPr lang="en-US" dirty="0"/>
@@ -4838,7 +4768,7 @@
           <a:lstStyle/>
           <a:p>
             <a:r>
-              <a:rPr lang="en-US" sz="2000" dirty="0" smtClean="0"/>
+              <a:rPr lang="en-US" sz="2000" dirty="0"/>
               <a:t>Search and Analytics</a:t>
             </a:r>
           </a:p>
@@ -4848,21 +4778,21 @@
               <a:buChar char="•"/>
             </a:pPr>
             <a:r>
-              <a:rPr lang="en-US" sz="1600" dirty="0" smtClean="0">
+              <a:rPr lang="en-US" sz="1600" dirty="0">
                 <a:latin typeface="Arial"/>
                 <a:cs typeface="Arial"/>
               </a:rPr>
               <a:t>Operations </a:t>
             </a:r>
             <a:r>
-              <a:rPr lang="mr-IN" sz="1600" dirty="0" smtClean="0">
+              <a:rPr lang="mr-IN" sz="1600" dirty="0">
                 <a:latin typeface="Arial"/>
                 <a:cs typeface="Arial"/>
               </a:rPr>
               <a:t>–</a:t>
             </a:r>
             <a:r>
-              <a:rPr lang="en-US" sz="1600" dirty="0" smtClean="0">
+              <a:rPr lang="en-US" sz="1600" dirty="0">
                 <a:latin typeface="Arial"/>
                 <a:cs typeface="Arial"/>
               </a:rPr>
@@ -4884,7 +4814,7 @@
               <a:buFont typeface="Arial"/>
               <a:buChar char="•"/>
             </a:pPr>
-            <a:endParaRPr lang="en-US" sz="1600" dirty="0" smtClean="0">
+            <a:endParaRPr lang="en-US" sz="1600" dirty="0">
               <a:latin typeface="Arial"/>
               <a:cs typeface="Arial"/>
             </a:endParaRPr>
@@ -4894,7 +4824,7 @@
               <a:buFont typeface="Arial"/>
               <a:buChar char="•"/>
             </a:pPr>
-            <a:endParaRPr lang="en-US" sz="1600" dirty="0" smtClean="0">
+            <a:endParaRPr lang="en-US" sz="1600" dirty="0">
               <a:latin typeface="Arial"/>
               <a:cs typeface="Arial"/>
             </a:endParaRPr>
@@ -4905,7 +4835,7 @@
               <a:buChar char="•"/>
             </a:pPr>
             <a:r>
-              <a:rPr lang="en-US" sz="1600" dirty="0" smtClean="0">
+              <a:rPr lang="en-US" sz="1600" dirty="0">
                 <a:latin typeface="Arial"/>
                 <a:cs typeface="Arial"/>
               </a:rPr>
@@ -4924,7 +4854,7 @@
           </a:p>
           <a:p>
             <a:pPr marL="285750"/>
-            <a:endParaRPr lang="en-US" sz="1600" dirty="0" smtClean="0">
+            <a:endParaRPr lang="en-US" sz="1600" dirty="0">
               <a:latin typeface="Arial"/>
               <a:cs typeface="Arial"/>
             </a:endParaRPr>
@@ -4934,7 +4864,7 @@
               <a:buFont typeface="Arial"/>
               <a:buChar char="•"/>
             </a:pPr>
-            <a:endParaRPr lang="en-US" sz="1600" dirty="0" smtClean="0">
+            <a:endParaRPr lang="en-US" sz="1600" dirty="0">
               <a:latin typeface="Arial"/>
               <a:cs typeface="Arial"/>
             </a:endParaRPr>
@@ -4945,7 +4875,7 @@
               <a:buChar char="•"/>
             </a:pPr>
             <a:r>
-              <a:rPr lang="en-US" sz="1600" dirty="0" smtClean="0">
+              <a:rPr lang="en-US" sz="1600" dirty="0">
                 <a:latin typeface="Arial"/>
                 <a:cs typeface="Arial"/>
               </a:rPr>
@@ -4953,7 +4883,7 @@
             </a:r>
           </a:p>
           <a:p>
-            <a:endParaRPr lang="en-US" sz="1600" dirty="0" smtClean="0"/>
+            <a:endParaRPr lang="en-US" sz="1600" dirty="0"/>
           </a:p>
           <a:p>
             <a:pPr marL="285750" indent="-285750">
@@ -5088,13 +5018,6 @@
   <p:clrMapOvr>
     <a:masterClrMapping/>
   </p:clrMapOvr>
-  <p:timing>
-    <p:tnLst>
-      <p:par>
-        <p:cTn xmlns:p14="http://schemas.microsoft.com/office/powerpoint/2010/main" id="1" dur="indefinite" restart="never" nodeType="tmRoot"/>
-      </p:par>
-    </p:tnLst>
-  </p:timing>
 </p:sld>
 </file>
 
@@ -5131,10 +5054,9 @@
           <a:lstStyle/>
           <a:p>
             <a:r>
-              <a:rPr lang="en-US" dirty="0" smtClean="0"/>
+              <a:rPr lang="en-US" dirty="0"/>
               <a:t>CQRS?</a:t>
             </a:r>
-            <a:endParaRPr lang="en-US" dirty="0"/>
           </a:p>
         </p:txBody>
       </p:sp>
@@ -5154,15 +5076,15 @@
           <a:lstStyle/>
           <a:p>
             <a:r>
-              <a:rPr lang="en-US" dirty="0" err="1" smtClean="0"/>
+              <a:rPr lang="en-US" dirty="0" err="1"/>
               <a:t>Elasticsearch</a:t>
             </a:r>
             <a:r>
-              <a:rPr lang="en-US" dirty="0" smtClean="0"/>
+              <a:rPr lang="en-US" dirty="0"/>
               <a:t> </a:t>
             </a:r>
             <a:r>
-              <a:rPr lang="en-US" dirty="0" err="1" smtClean="0"/>
+              <a:rPr lang="en-US" dirty="0" err="1"/>
               <a:t>Meetup</a:t>
             </a:r>
             <a:endParaRPr lang="en-US" dirty="0"/>
@@ -5185,61 +5107,39 @@
           <a:lstStyle/>
           <a:p>
             <a:r>
-              <a:rPr lang="en-US" sz="1600" b="1" dirty="0" smtClean="0"/>
+              <a:rPr lang="en-US" sz="1600" b="1" dirty="0"/>
               <a:t>Martin Fowler says:</a:t>
             </a:r>
           </a:p>
           <a:p>
             <a:r>
-              <a:rPr lang="en-US" sz="1600" i="1" dirty="0" smtClean="0"/>
-              <a:t>“CQRS </a:t>
-            </a:r>
-            <a:r>
               <a:rPr lang="en-US" sz="1600" i="1" dirty="0"/>
-              <a:t>stands for Command Query Responsibility Segregation. It's a pattern that I first heard described by Greg Young. At its heart is the notion that you can use a different model to update information than the model you use to read information. For some situations, this separation can be valuable, but beware that for most systems CQRS adds risky complexity</a:t>
-            </a:r>
-            <a:r>
-              <a:rPr lang="en-US" sz="1600" i="1" dirty="0" smtClean="0"/>
-              <a:t>.”</a:t>
-            </a:r>
-            <a:endParaRPr lang="en-US" sz="1600" i="1" dirty="0"/>
-          </a:p>
-          <a:p>
-            <a:endParaRPr lang="en-US" sz="1600" dirty="0" smtClean="0"/>
+              <a:t>“CQRS stands for Command Query Responsibility Segregation. It's a pattern that I first heard described by Greg Young. At its heart is the notion that you can use a different model to update information than the model you use to read information. For some situations, this separation can be valuable, but beware that for most systems CQRS adds risky complexity.”</a:t>
+            </a:r>
           </a:p>
           <a:p>
             <a:endParaRPr lang="en-US" sz="1600" dirty="0"/>
           </a:p>
           <a:p>
-            <a:endParaRPr lang="en-US" sz="1600" dirty="0" smtClean="0"/>
-          </a:p>
-          <a:p>
-            <a:endParaRPr lang="en-US" sz="1600" dirty="0" smtClean="0"/>
-          </a:p>
-          <a:p>
-            <a:r>
-              <a:rPr lang="en-US" sz="1600" dirty="0" smtClean="0">
-                <a:hlinkClick r:id="rId2"/>
-              </a:rPr>
-              <a:t>https</a:t>
-            </a:r>
+            <a:endParaRPr lang="en-US" sz="1600" dirty="0"/>
+          </a:p>
+          <a:p>
+            <a:endParaRPr lang="en-US" sz="1600" dirty="0"/>
+          </a:p>
+          <a:p>
+            <a:endParaRPr lang="en-US" sz="1600" dirty="0"/>
+          </a:p>
+          <a:p>
             <a:r>
               <a:rPr lang="en-US" sz="1600" dirty="0">
                 <a:hlinkClick r:id="rId2"/>
               </a:rPr>
-              <a:t>://martinfowler.com/bliki/</a:t>
-            </a:r>
-            <a:r>
-              <a:rPr lang="en-US" sz="1600" dirty="0" smtClean="0">
-                <a:hlinkClick r:id="rId2"/>
-              </a:rPr>
-              <a:t>CQRS.html</a:t>
-            </a:r>
-            <a:r>
-              <a:rPr lang="en-US" sz="1600" dirty="0" smtClean="0"/>
+              <a:t>https://martinfowler.com/bliki/CQRS.html</a:t>
+            </a:r>
+            <a:r>
+              <a:rPr lang="en-US" sz="1600" dirty="0"/>
               <a:t> </a:t>
             </a:r>
-            <a:endParaRPr lang="en-US" sz="1600" dirty="0"/>
           </a:p>
         </p:txBody>
       </p:sp>
@@ -5282,13 +5182,6 @@
   <p:clrMapOvr>
     <a:masterClrMapping/>
   </p:clrMapOvr>
-  <p:timing>
-    <p:tnLst>
-      <p:par>
-        <p:cTn xmlns:p14="http://schemas.microsoft.com/office/powerpoint/2010/main" id="1" dur="indefinite" restart="never" nodeType="tmRoot"/>
-      </p:par>
-    </p:tnLst>
-  </p:timing>
 </p:sld>
 </file>
 
@@ -5325,10 +5218,9 @@
           <a:lstStyle/>
           <a:p>
             <a:r>
-              <a:rPr lang="en-US" dirty="0" smtClean="0"/>
+              <a:rPr lang="en-US" dirty="0"/>
               <a:t>Architecture</a:t>
             </a:r>
-            <a:endParaRPr lang="en-US" dirty="0"/>
           </a:p>
         </p:txBody>
       </p:sp>
@@ -5348,15 +5240,15 @@
           <a:lstStyle/>
           <a:p>
             <a:r>
-              <a:rPr lang="en-US" dirty="0" err="1" smtClean="0"/>
+              <a:rPr lang="en-US" dirty="0" err="1"/>
               <a:t>Elasticsearch</a:t>
             </a:r>
             <a:r>
-              <a:rPr lang="en-US" dirty="0" smtClean="0"/>
+              <a:rPr lang="en-US" dirty="0"/>
               <a:t> </a:t>
             </a:r>
             <a:r>
-              <a:rPr lang="en-US" dirty="0" err="1" smtClean="0"/>
+              <a:rPr lang="en-US" dirty="0" err="1"/>
               <a:t>Meetup</a:t>
             </a:r>
             <a:endParaRPr lang="en-US" dirty="0"/>
@@ -5380,15 +5272,11 @@
           <a:p>
             <a:r>
               <a:rPr lang="en-US" sz="2000" dirty="0"/>
-              <a:t>Query engine in CQRS </a:t>
-            </a:r>
-            <a:r>
-              <a:rPr lang="en-US" sz="2000" dirty="0" smtClean="0"/>
-              <a:t>architecture</a:t>
-            </a:r>
-          </a:p>
-          <a:p>
-            <a:endParaRPr lang="en-US" sz="1600" dirty="0" smtClean="0"/>
+              <a:t>Query engine in CQRS architecture</a:t>
+            </a:r>
+          </a:p>
+          <a:p>
+            <a:endParaRPr lang="en-US" sz="1600" dirty="0"/>
           </a:p>
           <a:p>
             <a:pPr marL="285750" indent="-285750">
@@ -5461,10 +5349,9 @@
           <a:p>
             <a:pPr algn="ctr"/>
             <a:r>
-              <a:rPr lang="en-US" dirty="0" smtClean="0"/>
+              <a:rPr lang="en-US" dirty="0"/>
               <a:t>RDBMS over here</a:t>
             </a:r>
-            <a:endParaRPr lang="en-US" dirty="0"/>
           </a:p>
         </p:txBody>
       </p:sp>
@@ -5506,14 +5393,13 @@
           <a:p>
             <a:pPr algn="ctr"/>
             <a:r>
-              <a:rPr lang="en-US" dirty="0" err="1" smtClean="0"/>
+              <a:rPr lang="en-US" dirty="0" err="1"/>
               <a:t>Elasticsearch</a:t>
             </a:r>
             <a:r>
-              <a:rPr lang="en-US" dirty="0" smtClean="0"/>
+              <a:rPr lang="en-US" dirty="0"/>
               <a:t> over here</a:t>
             </a:r>
-            <a:endParaRPr lang="en-US" dirty="0"/>
           </a:p>
         </p:txBody>
       </p:sp>
@@ -5555,10 +5441,9 @@
           <a:p>
             <a:pPr algn="ctr"/>
             <a:r>
-              <a:rPr lang="en-US" dirty="0" smtClean="0"/>
+              <a:rPr lang="en-US" dirty="0"/>
               <a:t>Maybe(!) Kafka over here</a:t>
             </a:r>
-            <a:endParaRPr lang="en-US" dirty="0"/>
           </a:p>
         </p:txBody>
       </p:sp>
@@ -5600,7 +5485,7 @@
   <p:timing>
     <p:tnLst>
       <p:par>
-        <p:cTn xmlns:p14="http://schemas.microsoft.com/office/powerpoint/2010/main" id="1" dur="indefinite" restart="never" nodeType="tmRoot">
+        <p:cTn id="1" dur="indefinite" restart="never" nodeType="tmRoot">
           <p:childTnLst>
             <p:seq concurrent="1" nextAc="seek">
               <p:cTn id="2" dur="indefinite" nodeType="mainSeq">
@@ -5812,10 +5697,9 @@
           <a:lstStyle/>
           <a:p>
             <a:r>
-              <a:rPr lang="en-US" dirty="0" smtClean="0"/>
+              <a:rPr lang="en-US" dirty="0"/>
               <a:t>Example system</a:t>
             </a:r>
-            <a:endParaRPr lang="en-US" dirty="0"/>
           </a:p>
         </p:txBody>
       </p:sp>
@@ -5835,15 +5719,15 @@
           <a:lstStyle/>
           <a:p>
             <a:r>
-              <a:rPr lang="en-US" dirty="0" err="1" smtClean="0"/>
+              <a:rPr lang="en-US" dirty="0" err="1"/>
               <a:t>Elasticsearch</a:t>
             </a:r>
             <a:r>
-              <a:rPr lang="en-US" dirty="0" smtClean="0"/>
+              <a:rPr lang="en-US" dirty="0"/>
               <a:t> </a:t>
             </a:r>
             <a:r>
-              <a:rPr lang="en-US" dirty="0" err="1" smtClean="0"/>
+              <a:rPr lang="en-US" dirty="0" err="1"/>
               <a:t>Meetup</a:t>
             </a:r>
             <a:endParaRPr lang="en-US" dirty="0"/>
@@ -5870,7 +5754,7 @@
               <a:buChar char="•"/>
             </a:pPr>
             <a:r>
-              <a:rPr lang="en-US" sz="2000" dirty="0" smtClean="0"/>
+              <a:rPr lang="en-US" sz="2000" dirty="0"/>
               <a:t>Movie plots</a:t>
             </a:r>
           </a:p>
@@ -5883,15 +5767,9 @@
               <a:rPr lang="en-US" sz="2000" dirty="0">
                 <a:hlinkClick r:id="rId2"/>
               </a:rPr>
-              <a:t>https://www.kaggle.com/jrobischon/wikipedia-movie-</a:t>
-            </a:r>
-            <a:r>
-              <a:rPr lang="en-US" sz="2000" dirty="0" smtClean="0">
-                <a:hlinkClick r:id="rId2"/>
-              </a:rPr>
-              <a:t>plots</a:t>
-            </a:r>
-            <a:endParaRPr lang="en-US" sz="2000" dirty="0" smtClean="0"/>
+              <a:t>https://www.kaggle.com/jrobischon/wikipedia-movie-plots</a:t>
+            </a:r>
+            <a:endParaRPr lang="en-US" sz="2000" dirty="0"/>
           </a:p>
           <a:p>
             <a:pPr marL="1085850" lvl="1" indent="-342900">
@@ -5899,7 +5777,7 @@
               <a:buChar char="•"/>
             </a:pPr>
             <a:r>
-              <a:rPr lang="en-US" sz="2300" dirty="0" smtClean="0"/>
+              <a:rPr lang="en-US" sz="2300" dirty="0"/>
               <a:t>35.000 detailed plot descriptions</a:t>
             </a:r>
           </a:p>
@@ -5920,15 +5798,7 @@
             </a:pPr>
             <a:r>
               <a:rPr lang="en-US" sz="1200" dirty="0"/>
-              <a:t>Release </a:t>
-            </a:r>
-            <a:r>
-              <a:rPr lang="en-US" sz="1200" dirty="0" smtClean="0"/>
-              <a:t>Year - Year </a:t>
-            </a:r>
-            <a:r>
-              <a:rPr lang="en-US" sz="1200" dirty="0"/>
-              <a:t>in which the movie was released</a:t>
+              <a:t>Release Year - Year in which the movie was released</a:t>
             </a:r>
           </a:p>
           <a:p>
@@ -5937,12 +5807,8 @@
               <a:buChar char="•"/>
             </a:pPr>
             <a:r>
-              <a:rPr lang="en-US" sz="1200" dirty="0" smtClean="0"/>
-              <a:t>Title - Movie </a:t>
-            </a:r>
-            <a:r>
               <a:rPr lang="en-US" sz="1200" dirty="0"/>
-              <a:t>title</a:t>
+              <a:t>Title - Movie title</a:t>
             </a:r>
           </a:p>
           <a:p>
@@ -5952,15 +5818,7 @@
             </a:pPr>
             <a:r>
               <a:rPr lang="en-US" sz="1200" dirty="0"/>
-              <a:t>Origin/</a:t>
-            </a:r>
-            <a:r>
-              <a:rPr lang="en-US" sz="1200" dirty="0" smtClean="0"/>
-              <a:t>Ethnicity - Origin </a:t>
-            </a:r>
-            <a:r>
-              <a:rPr lang="en-US" sz="1200" dirty="0"/>
-              <a:t>of movie (i.e. American, Bollywood, Tamil, etc.)</a:t>
+              <a:t>Origin/Ethnicity - Origin of movie (i.e. American, Bollywood, Tamil, etc.)</a:t>
             </a:r>
           </a:p>
           <a:p>
@@ -5969,12 +5827,8 @@
               <a:buChar char="•"/>
             </a:pPr>
             <a:r>
-              <a:rPr lang="en-US" sz="1200" dirty="0" smtClean="0"/>
-              <a:t>Director - Director</a:t>
-            </a:r>
-            <a:r>
               <a:rPr lang="en-US" sz="1200" dirty="0"/>
-              <a:t>(s)</a:t>
+              <a:t>Director - Director(s)</a:t>
             </a:r>
           </a:p>
           <a:p>
@@ -5983,12 +5837,8 @@
               <a:buChar char="•"/>
             </a:pPr>
             <a:r>
-              <a:rPr lang="en-US" sz="1200" dirty="0" smtClean="0"/>
-              <a:t>Cast - Main </a:t>
-            </a:r>
-            <a:r>
               <a:rPr lang="en-US" sz="1200" dirty="0"/>
-              <a:t>actors/actresses</a:t>
+              <a:t>Cast - Main actors/actresses</a:t>
             </a:r>
           </a:p>
           <a:p>
@@ -5997,12 +5847,8 @@
               <a:buChar char="•"/>
             </a:pPr>
             <a:r>
-              <a:rPr lang="en-US" sz="1200" dirty="0" smtClean="0"/>
-              <a:t>Genre - Movie </a:t>
-            </a:r>
-            <a:r>
               <a:rPr lang="en-US" sz="1200" dirty="0"/>
-              <a:t>genre(s)</a:t>
+              <a:t>Genre - Movie genre(s)</a:t>
             </a:r>
           </a:p>
           <a:p>
@@ -6012,17 +5858,18 @@
             </a:pPr>
             <a:r>
               <a:rPr lang="en-US" sz="1200" dirty="0"/>
-              <a:t>Wiki </a:t>
-            </a:r>
-            <a:r>
-              <a:rPr lang="en-US" sz="1200" dirty="0" smtClean="0"/>
-              <a:t>Page - URL </a:t>
-            </a:r>
+              <a:t>Wiki Page - URL of Wikipedia page </a:t>
+            </a:r>
+          </a:p>
+          <a:p>
+            <a:pPr marL="1485900" lvl="2" indent="-342900">
+              <a:buFont typeface="Arial"/>
+              <a:buChar char="•"/>
+            </a:pPr>
             <a:r>
               <a:rPr lang="en-US" sz="1200" dirty="0"/>
-              <a:t>of Wikipedia page </a:t>
-            </a:r>
-            <a:endParaRPr lang="en-US" sz="1200" dirty="0" smtClean="0"/>
+              <a:t>Plot – plot scraped from the wiki page</a:t>
+            </a:r>
           </a:p>
           <a:p>
             <a:pPr marL="342900" indent="-342900">
@@ -6030,7 +5877,7 @@
               <a:buChar char="•"/>
             </a:pPr>
             <a:r>
-              <a:rPr lang="en-US" sz="2000" dirty="0" smtClean="0"/>
+              <a:rPr lang="en-US" sz="2000" dirty="0"/>
               <a:t>Simple normalized data model in RDBMS</a:t>
             </a:r>
           </a:p>
@@ -6040,21 +5887,21 @@
               <a:buChar char="•"/>
             </a:pPr>
             <a:r>
-              <a:rPr lang="en-US" sz="2000" dirty="0" smtClean="0"/>
+              <a:rPr lang="en-US" sz="2000" dirty="0"/>
               <a:t>Query model in </a:t>
             </a:r>
             <a:r>
-              <a:rPr lang="en-US" sz="2000" dirty="0" err="1" smtClean="0"/>
+              <a:rPr lang="en-US" sz="2000" dirty="0" err="1"/>
               <a:t>Elasticsearch</a:t>
             </a:r>
-            <a:endParaRPr lang="en-US" sz="2000" dirty="0" smtClean="0"/>
+            <a:endParaRPr lang="en-US" sz="2000" dirty="0"/>
           </a:p>
           <a:p>
             <a:pPr marL="342900" indent="-342900">
               <a:buFont typeface="Arial"/>
               <a:buChar char="•"/>
             </a:pPr>
-            <a:endParaRPr lang="en-US" sz="2000" dirty="0" smtClean="0"/>
+            <a:endParaRPr lang="en-US" sz="2000" dirty="0"/>
           </a:p>
         </p:txBody>
       </p:sp>
@@ -6093,13 +5940,6 @@
   <p:clrMapOvr>
     <a:masterClrMapping/>
   </p:clrMapOvr>
-  <p:timing>
-    <p:tnLst>
-      <p:par>
-        <p:cTn xmlns:p14="http://schemas.microsoft.com/office/powerpoint/2010/main" id="1" dur="indefinite" restart="never" nodeType="tmRoot"/>
-      </p:par>
-    </p:tnLst>
-  </p:timing>
 </p:sld>
 </file>
 
@@ -6136,10 +5976,9 @@
           <a:lstStyle/>
           <a:p>
             <a:r>
-              <a:rPr lang="en-US" dirty="0" smtClean="0"/>
+              <a:rPr lang="en-US" dirty="0"/>
               <a:t>Example system</a:t>
             </a:r>
-            <a:endParaRPr lang="en-US" dirty="0"/>
           </a:p>
         </p:txBody>
       </p:sp>
@@ -6159,15 +5998,15 @@
           <a:lstStyle/>
           <a:p>
             <a:r>
-              <a:rPr lang="en-US" dirty="0" err="1" smtClean="0"/>
+              <a:rPr lang="en-US" dirty="0" err="1"/>
               <a:t>Elasticsearch</a:t>
             </a:r>
             <a:r>
-              <a:rPr lang="en-US" dirty="0" smtClean="0"/>
+              <a:rPr lang="en-US" dirty="0"/>
               <a:t> </a:t>
             </a:r>
             <a:r>
-              <a:rPr lang="en-US" dirty="0" err="1" smtClean="0"/>
+              <a:rPr lang="en-US" dirty="0" err="1"/>
               <a:t>Meetup</a:t>
             </a:r>
             <a:endParaRPr lang="en-US" dirty="0"/>
@@ -6191,15 +6030,11 @@
           <a:p>
             <a:r>
               <a:rPr lang="en-US" sz="2000" dirty="0"/>
-              <a:t>Query engine in CQRS </a:t>
-            </a:r>
-            <a:r>
-              <a:rPr lang="en-US" sz="2000" dirty="0" smtClean="0"/>
-              <a:t>architecture</a:t>
-            </a:r>
-          </a:p>
-          <a:p>
-            <a:endParaRPr lang="en-US" sz="1600" dirty="0" smtClean="0"/>
+              <a:t>Query engine in CQRS architecture</a:t>
+            </a:r>
+          </a:p>
+          <a:p>
+            <a:endParaRPr lang="en-US" sz="1600" dirty="0"/>
           </a:p>
           <a:p>
             <a:pPr marL="285750" indent="-285750">
@@ -6272,10 +6107,9 @@
           <a:p>
             <a:pPr algn="ctr"/>
             <a:r>
-              <a:rPr lang="en-US" dirty="0" smtClean="0"/>
+              <a:rPr lang="en-US" dirty="0"/>
               <a:t>H2</a:t>
             </a:r>
-            <a:endParaRPr lang="en-US" dirty="0"/>
           </a:p>
         </p:txBody>
       </p:sp>
@@ -6317,7 +6151,7 @@
           <a:p>
             <a:pPr algn="ctr"/>
             <a:r>
-              <a:rPr lang="en-US" dirty="0" err="1" smtClean="0"/>
+              <a:rPr lang="en-US" dirty="0" err="1"/>
               <a:t>Elasticsearch</a:t>
             </a:r>
             <a:endParaRPr lang="en-US" dirty="0"/>
@@ -6362,10 +6196,9 @@
           <a:p>
             <a:pPr algn="ctr"/>
             <a:r>
-              <a:rPr lang="en-US" dirty="0" smtClean="0"/>
-              <a:t>manual batch for now</a:t>
-            </a:r>
-            <a:endParaRPr lang="en-US" dirty="0"/>
+              <a:rPr lang="en-US" dirty="0"/>
+              <a:t>Not implemented</a:t>
+            </a:r>
           </a:p>
         </p:txBody>
       </p:sp>
@@ -6411,7 +6244,7 @@
   <p:timing>
     <p:tnLst>
       <p:par>
-        <p:cTn xmlns:p14="http://schemas.microsoft.com/office/powerpoint/2010/main" id="1" dur="indefinite" restart="never" nodeType="tmRoot">
+        <p:cTn id="1" dur="indefinite" restart="never" nodeType="tmRoot">
           <p:childTnLst>
             <p:seq concurrent="1" nextAc="seek">
               <p:cTn id="2" dur="indefinite" nodeType="mainSeq">
@@ -6623,10 +6456,9 @@
           <a:lstStyle/>
           <a:p>
             <a:r>
-              <a:rPr lang="en-US" dirty="0" smtClean="0"/>
+              <a:rPr lang="en-US" dirty="0"/>
               <a:t>Example system tools</a:t>
             </a:r>
-            <a:endParaRPr lang="en-US" dirty="0"/>
           </a:p>
         </p:txBody>
       </p:sp>
@@ -6646,15 +6478,15 @@
           <a:lstStyle/>
           <a:p>
             <a:r>
-              <a:rPr lang="en-US" dirty="0" err="1" smtClean="0"/>
+              <a:rPr lang="en-US" dirty="0" err="1"/>
               <a:t>Elasticsearch</a:t>
             </a:r>
             <a:r>
-              <a:rPr lang="en-US" dirty="0" smtClean="0"/>
+              <a:rPr lang="en-US" dirty="0"/>
               <a:t> </a:t>
             </a:r>
             <a:r>
-              <a:rPr lang="en-US" dirty="0" err="1" smtClean="0"/>
+              <a:rPr lang="en-US" dirty="0" err="1"/>
               <a:t>Meetup</a:t>
             </a:r>
             <a:endParaRPr lang="en-US" dirty="0"/>
@@ -6681,7 +6513,7 @@
               <a:buChar char="•"/>
             </a:pPr>
             <a:r>
-              <a:rPr lang="en-US" sz="2000" dirty="0" smtClean="0"/>
+              <a:rPr lang="en-US" sz="2000" dirty="0"/>
               <a:t>Must have</a:t>
             </a:r>
           </a:p>
@@ -6691,22 +6523,22 @@
               <a:buChar char="•"/>
             </a:pPr>
             <a:r>
-              <a:rPr lang="en-US" sz="2300" dirty="0" smtClean="0"/>
+              <a:rPr lang="en-US" sz="2300" dirty="0"/>
               <a:t>Local </a:t>
             </a:r>
             <a:r>
-              <a:rPr lang="en-US" sz="2300" dirty="0" err="1" smtClean="0"/>
+              <a:rPr lang="en-US" sz="2300" dirty="0" err="1"/>
               <a:t>Elasticsearch</a:t>
             </a:r>
             <a:r>
-              <a:rPr lang="en-US" sz="2300" dirty="0" smtClean="0"/>
+              <a:rPr lang="en-US" sz="2300" dirty="0"/>
               <a:t> and </a:t>
             </a:r>
             <a:r>
-              <a:rPr lang="en-US" sz="2300" dirty="0" err="1" smtClean="0"/>
+              <a:rPr lang="en-US" sz="2300" dirty="0" err="1"/>
               <a:t>Kibana</a:t>
             </a:r>
-            <a:endParaRPr lang="en-US" sz="2300" dirty="0" smtClean="0"/>
+            <a:endParaRPr lang="en-US" sz="2300" dirty="0"/>
           </a:p>
           <a:p>
             <a:pPr marL="342900" indent="-342900">
@@ -6714,16 +6546,8 @@
               <a:buChar char="•"/>
             </a:pPr>
             <a:r>
-              <a:rPr lang="en-US" sz="2000" dirty="0" smtClean="0"/>
-              <a:t>Should have, </a:t>
-            </a:r>
-            <a:r>
               <a:rPr lang="en-US" sz="2000" dirty="0"/>
-              <a:t>you need some tooling like an </a:t>
-            </a:r>
-            <a:r>
-              <a:rPr lang="en-US" sz="2000" dirty="0" smtClean="0"/>
-              <a:t>IDE</a:t>
+              <a:t>Should have, you need some tooling like an IDE</a:t>
             </a:r>
           </a:p>
           <a:p>
@@ -6732,10 +6556,9 @@
               <a:buChar char="•"/>
             </a:pPr>
             <a:r>
-              <a:rPr lang="en-US" sz="2300" dirty="0" smtClean="0"/>
+              <a:rPr lang="en-US" sz="2300" dirty="0"/>
               <a:t>Python instead of Java for the fun of it</a:t>
             </a:r>
-            <a:endParaRPr lang="en-US" sz="2300" dirty="0"/>
           </a:p>
           <a:p>
             <a:pPr marL="1085850" lvl="1" indent="-342900">
@@ -6748,11 +6571,7 @@
             </a:r>
             <a:r>
               <a:rPr lang="en-US" sz="2300" dirty="0"/>
-              <a:t> community </a:t>
-            </a:r>
-            <a:r>
-              <a:rPr lang="en-US" sz="2300" dirty="0" smtClean="0"/>
-              <a:t>edition</a:t>
+              <a:t> community edition</a:t>
             </a:r>
           </a:p>
           <a:p>
@@ -6761,39 +6580,39 @@
               <a:buChar char="•"/>
             </a:pPr>
             <a:r>
-              <a:rPr lang="en-US" sz="2000" dirty="0" smtClean="0"/>
+              <a:rPr lang="en-US" sz="2000" dirty="0"/>
               <a:t>pandas, </a:t>
             </a:r>
             <a:r>
-              <a:rPr lang="en-US" sz="2000" dirty="0" err="1" smtClean="0"/>
+              <a:rPr lang="en-US" sz="2000" dirty="0" err="1"/>
               <a:t>csv</a:t>
             </a:r>
             <a:r>
-              <a:rPr lang="en-US" sz="2000" dirty="0" smtClean="0"/>
+              <a:rPr lang="en-US" sz="2000" dirty="0"/>
               <a:t>, </a:t>
             </a:r>
             <a:r>
-              <a:rPr lang="en-US" sz="2000" dirty="0" err="1" smtClean="0"/>
+              <a:rPr lang="en-US" sz="2000" dirty="0" err="1"/>
               <a:t>jaydebeapi</a:t>
             </a:r>
             <a:r>
-              <a:rPr lang="en-US" sz="2000" dirty="0" smtClean="0"/>
+              <a:rPr lang="en-US" sz="2000" dirty="0"/>
               <a:t>, </a:t>
             </a:r>
             <a:r>
-              <a:rPr lang="en-US" sz="2000" dirty="0" err="1" smtClean="0"/>
+              <a:rPr lang="en-US" sz="2000" dirty="0" err="1"/>
               <a:t>elasticsearch</a:t>
             </a:r>
             <a:r>
-              <a:rPr lang="en-US" sz="2000" dirty="0" smtClean="0"/>
+              <a:rPr lang="en-US" sz="2000" dirty="0"/>
               <a:t>, </a:t>
             </a:r>
             <a:r>
-              <a:rPr lang="mr-IN" sz="2000" dirty="0" smtClean="0"/>
+              <a:rPr lang="mr-IN" sz="2000" dirty="0"/>
               <a:t>…</a:t>
             </a:r>
             <a:r>
-              <a:rPr lang="en-US" sz="2000" dirty="0" smtClean="0"/>
+              <a:rPr lang="en-US" sz="2000" dirty="0"/>
               <a:t> (packages)</a:t>
             </a:r>
           </a:p>
@@ -6803,7 +6622,7 @@
               <a:buChar char="•"/>
             </a:pPr>
             <a:r>
-              <a:rPr lang="en-US" sz="2000" dirty="0" smtClean="0"/>
+              <a:rPr lang="en-US" sz="2000" dirty="0"/>
               <a:t>Optional</a:t>
             </a:r>
           </a:p>
@@ -6813,7 +6632,7 @@
               <a:buChar char="•"/>
             </a:pPr>
             <a:r>
-              <a:rPr lang="en-US" sz="2300" dirty="0" smtClean="0"/>
+              <a:rPr lang="en-US" sz="2300" dirty="0"/>
               <a:t>(H2) database</a:t>
             </a:r>
           </a:p>
@@ -6823,15 +6642,15 @@
               <a:buChar char="•"/>
             </a:pPr>
             <a:r>
-              <a:rPr lang="en-US" sz="2300" dirty="0" smtClean="0"/>
+              <a:rPr lang="en-US" sz="2300" dirty="0"/>
               <a:t>(</a:t>
             </a:r>
             <a:r>
-              <a:rPr lang="en-US" sz="2300" dirty="0" err="1" smtClean="0"/>
+              <a:rPr lang="en-US" sz="2300" dirty="0" err="1"/>
               <a:t>DBeaver</a:t>
             </a:r>
             <a:r>
-              <a:rPr lang="en-US" sz="2300" dirty="0" smtClean="0"/>
+              <a:rPr lang="en-US" sz="2300" dirty="0"/>
               <a:t> as) database client</a:t>
             </a:r>
           </a:p>
@@ -6840,14 +6659,14 @@
               <a:buFont typeface="Arial"/>
               <a:buChar char="•"/>
             </a:pPr>
-            <a:endParaRPr lang="en-US" sz="2000" dirty="0" smtClean="0"/>
+            <a:endParaRPr lang="en-US" sz="2000" dirty="0"/>
           </a:p>
           <a:p>
             <a:pPr marL="342900" indent="-342900">
               <a:buFont typeface="Arial"/>
               <a:buChar char="•"/>
             </a:pPr>
-            <a:endParaRPr lang="en-US" sz="2000" dirty="0" smtClean="0"/>
+            <a:endParaRPr lang="en-US" sz="2000" dirty="0"/>
           </a:p>
         </p:txBody>
       </p:sp>
@@ -6886,13 +6705,6 @@
   <p:clrMapOvr>
     <a:masterClrMapping/>
   </p:clrMapOvr>
-  <p:timing>
-    <p:tnLst>
-      <p:par>
-        <p:cTn xmlns:p14="http://schemas.microsoft.com/office/powerpoint/2010/main" id="1" dur="indefinite" restart="never" nodeType="tmRoot"/>
-      </p:par>
-    </p:tnLst>
-  </p:timing>
 </p:sld>
 </file>
 
@@ -6929,10 +6741,9 @@
           <a:lstStyle/>
           <a:p>
             <a:r>
-              <a:rPr lang="en-US" dirty="0" smtClean="0"/>
+              <a:rPr lang="en-US" dirty="0"/>
               <a:t>Example system, the making of..</a:t>
             </a:r>
-            <a:endParaRPr lang="en-US" dirty="0"/>
           </a:p>
         </p:txBody>
       </p:sp>
@@ -6952,15 +6763,15 @@
           <a:lstStyle/>
           <a:p>
             <a:r>
-              <a:rPr lang="en-US" dirty="0" err="1" smtClean="0"/>
+              <a:rPr lang="en-US" dirty="0" err="1"/>
               <a:t>Elasticsearch</a:t>
             </a:r>
             <a:r>
-              <a:rPr lang="en-US" dirty="0" smtClean="0"/>
+              <a:rPr lang="en-US" dirty="0"/>
               <a:t> </a:t>
             </a:r>
             <a:r>
-              <a:rPr lang="en-US" dirty="0" err="1" smtClean="0"/>
+              <a:rPr lang="en-US" dirty="0" err="1"/>
               <a:t>Meetup</a:t>
             </a:r>
             <a:endParaRPr lang="en-US" dirty="0"/>
@@ -6992,7 +6803,7 @@
               <a:buChar char="•"/>
             </a:pPr>
             <a:r>
-              <a:rPr lang="en-US" sz="2000" dirty="0" smtClean="0"/>
+              <a:rPr lang="en-US" sz="2000" dirty="0"/>
               <a:t>Download data (done)</a:t>
             </a:r>
           </a:p>
@@ -7002,7 +6813,7 @@
               <a:buChar char="•"/>
             </a:pPr>
             <a:r>
-              <a:rPr lang="en-US" sz="2000" dirty="0" smtClean="0"/>
+              <a:rPr lang="en-US" sz="2000" dirty="0"/>
               <a:t>Check the data</a:t>
             </a:r>
           </a:p>
@@ -7012,15 +6823,15 @@
               <a:buChar char="•"/>
             </a:pPr>
             <a:r>
-              <a:rPr lang="en-US" sz="2000" dirty="0" smtClean="0"/>
+              <a:rPr lang="en-US" sz="2000" dirty="0"/>
               <a:t>Install </a:t>
             </a:r>
             <a:r>
-              <a:rPr lang="en-US" sz="2000" dirty="0" err="1" smtClean="0"/>
+              <a:rPr lang="en-US" sz="2000" dirty="0" err="1"/>
               <a:t>PyCharm</a:t>
             </a:r>
             <a:r>
-              <a:rPr lang="en-US" sz="2000" dirty="0" smtClean="0"/>
+              <a:rPr lang="en-US" sz="2000" dirty="0"/>
               <a:t> (done)</a:t>
             </a:r>
           </a:p>
@@ -7030,15 +6841,15 @@
               <a:buChar char="•"/>
             </a:pPr>
             <a:r>
-              <a:rPr lang="en-US" sz="2000" dirty="0" smtClean="0"/>
+              <a:rPr lang="en-US" sz="2000" dirty="0"/>
               <a:t>Start </a:t>
             </a:r>
             <a:r>
-              <a:rPr lang="en-US" sz="2000" dirty="0" err="1" smtClean="0"/>
+              <a:rPr lang="en-US" sz="2000" dirty="0" err="1"/>
               <a:t>PyCharm</a:t>
             </a:r>
             <a:r>
-              <a:rPr lang="en-US" sz="2000" dirty="0" smtClean="0"/>
+              <a:rPr lang="en-US" sz="2000" dirty="0"/>
               <a:t> and ETL data to H2 database</a:t>
             </a:r>
           </a:p>
@@ -7085,19 +6896,7 @@
             </a:r>
             <a:r>
               <a:rPr lang="en-US" sz="2000" dirty="0"/>
-              <a:t> and </a:t>
-            </a:r>
-            <a:r>
-              <a:rPr lang="en-US" sz="2000" dirty="0" smtClean="0"/>
-              <a:t>check </a:t>
-            </a:r>
-            <a:r>
-              <a:rPr lang="en-US" sz="2000" dirty="0"/>
-              <a:t>H2 </a:t>
-            </a:r>
-            <a:r>
-              <a:rPr lang="en-US" sz="2000" dirty="0" smtClean="0"/>
-              <a:t>database</a:t>
+              <a:t> and check H2 database</a:t>
             </a:r>
           </a:p>
           <a:p>
@@ -7106,15 +6905,15 @@
               <a:buChar char="•"/>
             </a:pPr>
             <a:r>
-              <a:rPr lang="en-US" sz="2000" dirty="0" smtClean="0"/>
+              <a:rPr lang="en-US" sz="2000" dirty="0"/>
               <a:t>Download and install and run </a:t>
             </a:r>
             <a:r>
-              <a:rPr lang="en-US" sz="2000" dirty="0" err="1" smtClean="0"/>
+              <a:rPr lang="en-US" sz="2000" dirty="0" err="1"/>
               <a:t>Elasticsearch</a:t>
             </a:r>
             <a:r>
-              <a:rPr lang="en-US" sz="2000" dirty="0" smtClean="0"/>
+              <a:rPr lang="en-US" sz="2000" dirty="0"/>
               <a:t> (done)</a:t>
             </a:r>
           </a:p>
@@ -7124,15 +6923,15 @@
               <a:buChar char="•"/>
             </a:pPr>
             <a:r>
-              <a:rPr lang="en-US" sz="2000" dirty="0" smtClean="0"/>
+              <a:rPr lang="en-US" sz="2000" dirty="0"/>
               <a:t>Download and install and run </a:t>
             </a:r>
             <a:r>
-              <a:rPr lang="en-US" sz="2000" dirty="0" err="1" smtClean="0"/>
+              <a:rPr lang="en-US" sz="2000" dirty="0" err="1"/>
               <a:t>Kibana</a:t>
             </a:r>
             <a:r>
-              <a:rPr lang="en-US" sz="2000" dirty="0" smtClean="0"/>
+              <a:rPr lang="en-US" sz="2000" dirty="0"/>
               <a:t> (done)</a:t>
             </a:r>
           </a:p>
@@ -7141,7 +6940,7 @@
               <a:buFont typeface="Arial"/>
               <a:buChar char="•"/>
             </a:pPr>
-            <a:endParaRPr lang="en-US" sz="2000" dirty="0" smtClean="0"/>
+            <a:endParaRPr lang="en-US" sz="2000" dirty="0"/>
           </a:p>
         </p:txBody>
       </p:sp>
@@ -7180,13 +6979,6 @@
   <p:clrMapOvr>
     <a:masterClrMapping/>
   </p:clrMapOvr>
-  <p:timing>
-    <p:tnLst>
-      <p:par>
-        <p:cTn xmlns:p14="http://schemas.microsoft.com/office/powerpoint/2010/main" id="1" dur="indefinite" restart="never" nodeType="tmRoot"/>
-      </p:par>
-    </p:tnLst>
-  </p:timing>
 </p:sld>
 </file>
 

--- a/presentation/Elasticsearch-meetup-2019-03.pptx
+++ b/presentation/Elasticsearch-meetup-2019-03.pptx
@@ -281,7 +281,7 @@
               <a:pPr>
                 <a:defRPr/>
               </a:pPr>
-              <a:t>15-4-2019</a:t>
+              <a:t>17-4-2019</a:t>
             </a:fld>
             <a:endParaRPr lang="nl-NL"/>
           </a:p>
@@ -501,7 +501,7 @@
               <a:pPr>
                 <a:defRPr/>
               </a:pPr>
-              <a:t>15-4-2019</a:t>
+              <a:t>17-4-2019</a:t>
             </a:fld>
             <a:endParaRPr lang="nl-NL"/>
           </a:p>
@@ -4151,11 +4151,11 @@
             </a:r>
             <a:r>
               <a:rPr lang="en-US" sz="2300" dirty="0"/>
-              <a:t>) </a:t>
-            </a:r>
-            <a:r>
-              <a:rPr lang="en-US" sz="2300" dirty="0" err="1"/>
-              <a:t>tokenizers</a:t>
+              <a:t>) tokenizers</a:t>
+            </a:r>
+            <a:r>
+              <a:rPr lang="en-US" sz="2300"/>
+              <a:t>, filters</a:t>
             </a:r>
             <a:endParaRPr lang="en-US" sz="2300" dirty="0"/>
           </a:p>
@@ -6924,15 +6924,24 @@
             </a:pPr>
             <a:r>
               <a:rPr lang="en-US" sz="2000" dirty="0"/>
-              <a:t>Download and install and run </a:t>
-            </a:r>
-            <a:r>
-              <a:rPr lang="en-US" sz="2000" dirty="0" err="1"/>
-              <a:t>Kibana</a:t>
-            </a:r>
+              <a:t>Download and install and run Kibana (done)</a:t>
+            </a:r>
+          </a:p>
+          <a:p>
+            <a:pPr marL="342900" indent="-342900">
+              <a:buFont typeface="Arial"/>
+              <a:buChar char="•"/>
+            </a:pPr>
+            <a:endParaRPr lang="en-US" sz="2000" dirty="0"/>
+          </a:p>
+          <a:p>
+            <a:pPr marL="342900" indent="-342900">
+              <a:buFont typeface="Arial"/>
+              <a:buChar char="•"/>
+            </a:pPr>
             <a:r>
               <a:rPr lang="en-US" sz="2000" dirty="0"/>
-              <a:t> (done)</a:t>
+              <a:t>First contact with Kibana and Elasticsearch…..</a:t>
             </a:r>
           </a:p>
           <a:p>
